--- a/DOC/240926_클래스기초.pptx
+++ b/DOC/240926_클래스기초.pptx
@@ -17,8 +17,14 @@
     <p:sldId id="295" r:id="rId11"/>
     <p:sldId id="296" r:id="rId12"/>
     <p:sldId id="297" r:id="rId13"/>
-    <p:sldId id="298" r:id="rId14"/>
-    <p:sldId id="299" r:id="rId15"/>
+    <p:sldId id="299" r:id="rId14"/>
+    <p:sldId id="298" r:id="rId15"/>
+    <p:sldId id="300" r:id="rId16"/>
+    <p:sldId id="301" r:id="rId17"/>
+    <p:sldId id="302" r:id="rId18"/>
+    <p:sldId id="303" r:id="rId19"/>
+    <p:sldId id="304" r:id="rId20"/>
+    <p:sldId id="305" r:id="rId21"/>
   </p:sldIdLst>
   <p:sldSz cx="12192000" cy="6858000"/>
   <p:notesSz cx="6858000" cy="9144000"/>
@@ -3427,6 +3433,188 @@
           <a:chExt cx="0" cy="0"/>
         </a:xfrm>
       </p:grpSpPr>
+      <p:pic>
+        <p:nvPicPr>
+          <p:cNvPr id="3" name="그림 2">
+            <a:extLst>
+              <a:ext uri="{FF2B5EF4-FFF2-40B4-BE49-F238E27FC236}">
+                <a16:creationId xmlns:a16="http://schemas.microsoft.com/office/drawing/2014/main" id="{BE09CB62-B757-D6D6-EE33-EF298BB9AC7A}"/>
+              </a:ext>
+            </a:extLst>
+          </p:cNvPr>
+          <p:cNvPicPr>
+            <a:picLocks noChangeAspect="1"/>
+          </p:cNvPicPr>
+          <p:nvPr/>
+        </p:nvPicPr>
+        <p:blipFill>
+          <a:blip r:embed="rId2"/>
+          <a:stretch>
+            <a:fillRect/>
+          </a:stretch>
+        </p:blipFill>
+        <p:spPr>
+          <a:xfrm>
+            <a:off x="511260" y="391451"/>
+            <a:ext cx="7068536" cy="2686425"/>
+          </a:xfrm>
+          <a:prstGeom prst="rect">
+            <a:avLst/>
+          </a:prstGeom>
+        </p:spPr>
+      </p:pic>
+      <p:sp>
+        <p:nvSpPr>
+          <p:cNvPr id="4" name="TextBox 3">
+            <a:extLst>
+              <a:ext uri="{FF2B5EF4-FFF2-40B4-BE49-F238E27FC236}">
+                <a16:creationId xmlns:a16="http://schemas.microsoft.com/office/drawing/2014/main" id="{8F6EBB35-35E6-CE3B-C9A3-7333B38A880A}"/>
+              </a:ext>
+            </a:extLst>
+          </p:cNvPr>
+          <p:cNvSpPr txBox="1"/>
+          <p:nvPr/>
+        </p:nvSpPr>
+        <p:spPr>
+          <a:xfrm>
+            <a:off x="7995913" y="391451"/>
+            <a:ext cx="3482043" cy="923330"/>
+          </a:xfrm>
+          <a:prstGeom prst="rect">
+            <a:avLst/>
+          </a:prstGeom>
+          <a:noFill/>
+        </p:spPr>
+        <p:txBody>
+          <a:bodyPr wrap="none" rtlCol="0">
+            <a:spAutoFit/>
+          </a:bodyPr>
+          <a:lstStyle/>
+          <a:p>
+            <a:r>
+              <a:rPr lang="ko-KR" altLang="en-US" dirty="0"/>
+              <a:t>클래스의 초기화 방식에는</a:t>
+            </a:r>
+            <a:endParaRPr lang="en-US" altLang="ko-KR" dirty="0"/>
+          </a:p>
+          <a:p>
+            <a:endParaRPr lang="en-US" altLang="ko-KR" dirty="0"/>
+          </a:p>
+          <a:p>
+            <a:r>
+              <a:rPr lang="ko-KR" altLang="en-US" dirty="0"/>
+              <a:t>다음의 두가지 방식이 존재한다</a:t>
+            </a:r>
+            <a:r>
+              <a:rPr lang="en-US" altLang="ko-KR" dirty="0"/>
+              <a:t>.</a:t>
+            </a:r>
+          </a:p>
+        </p:txBody>
+      </p:sp>
+      <p:pic>
+        <p:nvPicPr>
+          <p:cNvPr id="6" name="그림 5">
+            <a:extLst>
+              <a:ext uri="{FF2B5EF4-FFF2-40B4-BE49-F238E27FC236}">
+                <a16:creationId xmlns:a16="http://schemas.microsoft.com/office/drawing/2014/main" id="{F34230A3-CAF0-A3E3-CB83-F3229978E512}"/>
+              </a:ext>
+            </a:extLst>
+          </p:cNvPr>
+          <p:cNvPicPr>
+            <a:picLocks noChangeAspect="1"/>
+          </p:cNvPicPr>
+          <p:nvPr/>
+        </p:nvPicPr>
+        <p:blipFill>
+          <a:blip r:embed="rId3"/>
+          <a:stretch>
+            <a:fillRect/>
+          </a:stretch>
+        </p:blipFill>
+        <p:spPr>
+          <a:xfrm>
+            <a:off x="648977" y="3998460"/>
+            <a:ext cx="6516009" cy="2333951"/>
+          </a:xfrm>
+          <a:prstGeom prst="rect">
+            <a:avLst/>
+          </a:prstGeom>
+        </p:spPr>
+      </p:pic>
+      <p:sp>
+        <p:nvSpPr>
+          <p:cNvPr id="8" name="TextBox 7">
+            <a:extLst>
+              <a:ext uri="{FF2B5EF4-FFF2-40B4-BE49-F238E27FC236}">
+                <a16:creationId xmlns:a16="http://schemas.microsoft.com/office/drawing/2014/main" id="{87C033E4-1171-2B58-9675-DB6EF769B106}"/>
+              </a:ext>
+            </a:extLst>
+          </p:cNvPr>
+          <p:cNvSpPr txBox="1"/>
+          <p:nvPr/>
+        </p:nvSpPr>
+        <p:spPr>
+          <a:xfrm>
+            <a:off x="7926641" y="3831996"/>
+            <a:ext cx="4126451" cy="923330"/>
+          </a:xfrm>
+          <a:prstGeom prst="rect">
+            <a:avLst/>
+          </a:prstGeom>
+          <a:noFill/>
+        </p:spPr>
+        <p:txBody>
+          <a:bodyPr wrap="none" rtlCol="0">
+            <a:spAutoFit/>
+          </a:bodyPr>
+          <a:lstStyle/>
+          <a:p>
+            <a:r>
+              <a:rPr lang="ko-KR" altLang="en-US" dirty="0" err="1"/>
+              <a:t>리터럴</a:t>
+            </a:r>
+            <a:r>
+              <a:rPr lang="ko-KR" altLang="en-US" dirty="0"/>
+              <a:t> </a:t>
+            </a:r>
+            <a:r>
+              <a:rPr lang="en-US" altLang="ko-KR" dirty="0"/>
+              <a:t>=&gt; </a:t>
+            </a:r>
+            <a:r>
+              <a:rPr lang="ko-KR" altLang="en-US" dirty="0" err="1"/>
+              <a:t>맴버</a:t>
+            </a:r>
+            <a:r>
+              <a:rPr lang="ko-KR" altLang="en-US" dirty="0"/>
+              <a:t> </a:t>
+            </a:r>
+            <a:r>
+              <a:rPr lang="ko-KR" altLang="en-US" dirty="0" err="1"/>
+              <a:t>이니셜라이저</a:t>
+            </a:r>
+            <a:r>
+              <a:rPr lang="en-US" altLang="ko-KR" dirty="0"/>
+              <a:t>(</a:t>
+            </a:r>
+            <a:r>
+              <a:rPr lang="ko-KR" altLang="en-US" dirty="0"/>
+              <a:t>생성자</a:t>
+            </a:r>
+            <a:r>
+              <a:rPr lang="en-US" altLang="ko-KR" dirty="0"/>
+              <a:t>)</a:t>
+            </a:r>
+          </a:p>
+          <a:p>
+            <a:endParaRPr lang="en-US" altLang="ko-KR" dirty="0"/>
+          </a:p>
+          <a:p>
+            <a:endParaRPr lang="en-US" altLang="ko-KR" dirty="0"/>
+          </a:p>
+        </p:txBody>
+      </p:sp>
     </p:spTree>
     <p:extLst>
       <p:ext uri="{BB962C8B-B14F-4D97-AF65-F5344CB8AC3E}">
@@ -3457,6 +3645,66 @@
           <a:chExt cx="0" cy="0"/>
         </a:xfrm>
       </p:grpSpPr>
+      <p:pic>
+        <p:nvPicPr>
+          <p:cNvPr id="3" name="그림 2">
+            <a:extLst>
+              <a:ext uri="{FF2B5EF4-FFF2-40B4-BE49-F238E27FC236}">
+                <a16:creationId xmlns:a16="http://schemas.microsoft.com/office/drawing/2014/main" id="{144FEA6A-62F6-899C-2FED-73BA5C307736}"/>
+              </a:ext>
+            </a:extLst>
+          </p:cNvPr>
+          <p:cNvPicPr>
+            <a:picLocks noChangeAspect="1"/>
+          </p:cNvPicPr>
+          <p:nvPr/>
+        </p:nvPicPr>
+        <p:blipFill>
+          <a:blip r:embed="rId2"/>
+          <a:stretch>
+            <a:fillRect/>
+          </a:stretch>
+        </p:blipFill>
+        <p:spPr>
+          <a:xfrm>
+            <a:off x="298821" y="327891"/>
+            <a:ext cx="10728803" cy="1214582"/>
+          </a:xfrm>
+          <a:prstGeom prst="rect">
+            <a:avLst/>
+          </a:prstGeom>
+        </p:spPr>
+      </p:pic>
+      <p:pic>
+        <p:nvPicPr>
+          <p:cNvPr id="5" name="그림 4">
+            <a:extLst>
+              <a:ext uri="{FF2B5EF4-FFF2-40B4-BE49-F238E27FC236}">
+                <a16:creationId xmlns:a16="http://schemas.microsoft.com/office/drawing/2014/main" id="{12E15E04-201F-E686-0E6F-06D35A7D4E20}"/>
+              </a:ext>
+            </a:extLst>
+          </p:cNvPr>
+          <p:cNvPicPr>
+            <a:picLocks noChangeAspect="1"/>
+          </p:cNvPicPr>
+          <p:nvPr/>
+        </p:nvPicPr>
+        <p:blipFill>
+          <a:blip r:embed="rId3"/>
+          <a:stretch>
+            <a:fillRect/>
+          </a:stretch>
+        </p:blipFill>
+        <p:spPr>
+          <a:xfrm>
+            <a:off x="298821" y="1890455"/>
+            <a:ext cx="3619033" cy="4547291"/>
+          </a:xfrm>
+          <a:prstGeom prst="rect">
+            <a:avLst/>
+          </a:prstGeom>
+        </p:spPr>
+      </p:pic>
     </p:spTree>
     <p:extLst>
       <p:ext uri="{BB962C8B-B14F-4D97-AF65-F5344CB8AC3E}">
@@ -3487,6 +3735,66 @@
           <a:chExt cx="0" cy="0"/>
         </a:xfrm>
       </p:grpSpPr>
+      <p:pic>
+        <p:nvPicPr>
+          <p:cNvPr id="3" name="그림 2">
+            <a:extLst>
+              <a:ext uri="{FF2B5EF4-FFF2-40B4-BE49-F238E27FC236}">
+                <a16:creationId xmlns:a16="http://schemas.microsoft.com/office/drawing/2014/main" id="{2A17F139-DAAE-40C1-DA38-485F59681D37}"/>
+              </a:ext>
+            </a:extLst>
+          </p:cNvPr>
+          <p:cNvPicPr>
+            <a:picLocks noChangeAspect="1"/>
+          </p:cNvPicPr>
+          <p:nvPr/>
+        </p:nvPicPr>
+        <p:blipFill>
+          <a:blip r:embed="rId2"/>
+          <a:stretch>
+            <a:fillRect/>
+          </a:stretch>
+        </p:blipFill>
+        <p:spPr>
+          <a:xfrm>
+            <a:off x="-6700311" y="203802"/>
+            <a:ext cx="18395705" cy="1445134"/>
+          </a:xfrm>
+          <a:prstGeom prst="rect">
+            <a:avLst/>
+          </a:prstGeom>
+        </p:spPr>
+      </p:pic>
+      <p:pic>
+        <p:nvPicPr>
+          <p:cNvPr id="5" name="그림 4">
+            <a:extLst>
+              <a:ext uri="{FF2B5EF4-FFF2-40B4-BE49-F238E27FC236}">
+                <a16:creationId xmlns:a16="http://schemas.microsoft.com/office/drawing/2014/main" id="{A154F897-C382-0FFA-08F9-475E38DAB4B3}"/>
+              </a:ext>
+            </a:extLst>
+          </p:cNvPr>
+          <p:cNvPicPr>
+            <a:picLocks noChangeAspect="1"/>
+          </p:cNvPicPr>
+          <p:nvPr/>
+        </p:nvPicPr>
+        <p:blipFill>
+          <a:blip r:embed="rId3"/>
+          <a:stretch>
+            <a:fillRect/>
+          </a:stretch>
+        </p:blipFill>
+        <p:spPr>
+          <a:xfrm>
+            <a:off x="472060" y="1960021"/>
+            <a:ext cx="9030960" cy="3867690"/>
+          </a:xfrm>
+          <a:prstGeom prst="rect">
+            <a:avLst/>
+          </a:prstGeom>
+        </p:spPr>
+      </p:pic>
     </p:spTree>
     <p:extLst>
       <p:ext uri="{BB962C8B-B14F-4D97-AF65-F5344CB8AC3E}">
@@ -3517,10 +3825,92 @@
           <a:chExt cx="0" cy="0"/>
         </a:xfrm>
       </p:grpSpPr>
+      <p:pic>
+        <p:nvPicPr>
+          <p:cNvPr id="3" name="그림 2">
+            <a:extLst>
+              <a:ext uri="{FF2B5EF4-FFF2-40B4-BE49-F238E27FC236}">
+                <a16:creationId xmlns:a16="http://schemas.microsoft.com/office/drawing/2014/main" id="{EC6F9C82-2D44-AAFC-E185-1281C273160B}"/>
+              </a:ext>
+            </a:extLst>
+          </p:cNvPr>
+          <p:cNvPicPr>
+            <a:picLocks noChangeAspect="1"/>
+          </p:cNvPicPr>
+          <p:nvPr/>
+        </p:nvPicPr>
+        <p:blipFill>
+          <a:blip r:embed="rId2"/>
+          <a:stretch>
+            <a:fillRect/>
+          </a:stretch>
+        </p:blipFill>
+        <p:spPr>
+          <a:xfrm>
+            <a:off x="1050857" y="1218831"/>
+            <a:ext cx="9240540" cy="2505425"/>
+          </a:xfrm>
+          <a:prstGeom prst="rect">
+            <a:avLst/>
+          </a:prstGeom>
+        </p:spPr>
+      </p:pic>
+      <p:sp>
+        <p:nvSpPr>
+          <p:cNvPr id="4" name="TextBox 3">
+            <a:extLst>
+              <a:ext uri="{FF2B5EF4-FFF2-40B4-BE49-F238E27FC236}">
+                <a16:creationId xmlns:a16="http://schemas.microsoft.com/office/drawing/2014/main" id="{28218DCE-10B2-C1ED-8E1F-E806EE50B556}"/>
+              </a:ext>
+            </a:extLst>
+          </p:cNvPr>
+          <p:cNvSpPr txBox="1"/>
+          <p:nvPr/>
+        </p:nvSpPr>
+        <p:spPr>
+          <a:xfrm>
+            <a:off x="1151768" y="4386456"/>
+            <a:ext cx="8295861" cy="369332"/>
+          </a:xfrm>
+          <a:prstGeom prst="rect">
+            <a:avLst/>
+          </a:prstGeom>
+          <a:noFill/>
+        </p:spPr>
+        <p:txBody>
+          <a:bodyPr wrap="none" rtlCol="0">
+            <a:spAutoFit/>
+          </a:bodyPr>
+          <a:lstStyle/>
+          <a:p>
+            <a:r>
+              <a:rPr lang="en-US" altLang="ko-KR" dirty="0"/>
+              <a:t>(</a:t>
+            </a:r>
+            <a:r>
+              <a:rPr lang="ko-KR" altLang="en-US" dirty="0"/>
+              <a:t>지웠다가 다시 쳐보면 어떤 함수들이 오버로딩 되어있는지 </a:t>
+            </a:r>
+            <a:r>
+              <a:rPr lang="ko-KR" altLang="en-US" err="1"/>
+              <a:t>확인할수</a:t>
+            </a:r>
+            <a:r>
+              <a:rPr lang="ko-KR" altLang="en-US"/>
+              <a:t> 있습니다</a:t>
+            </a:r>
+            <a:r>
+              <a:rPr lang="en-US" altLang="ko-KR"/>
+              <a:t>.</a:t>
+            </a:r>
+            <a:endParaRPr lang="en-US" altLang="ko-KR" dirty="0"/>
+          </a:p>
+        </p:txBody>
+      </p:sp>
     </p:spTree>
     <p:extLst>
       <p:ext uri="{BB962C8B-B14F-4D97-AF65-F5344CB8AC3E}">
-        <p14:creationId xmlns:p14="http://schemas.microsoft.com/office/powerpoint/2010/main" val="3963186401"/>
+        <p14:creationId xmlns:p14="http://schemas.microsoft.com/office/powerpoint/2010/main" val="3376670270"/>
       </p:ext>
     </p:extLst>
   </p:cSld>
@@ -3550,7 +3940,157 @@
     </p:spTree>
     <p:extLst>
       <p:ext uri="{BB962C8B-B14F-4D97-AF65-F5344CB8AC3E}">
-        <p14:creationId xmlns:p14="http://schemas.microsoft.com/office/powerpoint/2010/main" val="3376670270"/>
+        <p14:creationId xmlns:p14="http://schemas.microsoft.com/office/powerpoint/2010/main" val="3963186401"/>
+      </p:ext>
+    </p:extLst>
+  </p:cSld>
+  <p:clrMapOvr>
+    <a:masterClrMapping/>
+  </p:clrMapOvr>
+</p:sld>
+</file>
+
+<file path=ppt/slides/slide15.xml><?xml version="1.0" encoding="utf-8"?>
+<p:sld xmlns:a="http://schemas.openxmlformats.org/drawingml/2006/main" xmlns:r="http://schemas.openxmlformats.org/officeDocument/2006/relationships" xmlns:p="http://schemas.openxmlformats.org/presentationml/2006/main">
+  <p:cSld>
+    <p:spTree>
+      <p:nvGrpSpPr>
+        <p:cNvPr id="1" name=""/>
+        <p:cNvGrpSpPr/>
+        <p:nvPr/>
+      </p:nvGrpSpPr>
+      <p:grpSpPr>
+        <a:xfrm>
+          <a:off x="0" y="0"/>
+          <a:ext cx="0" cy="0"/>
+          <a:chOff x="0" y="0"/>
+          <a:chExt cx="0" cy="0"/>
+        </a:xfrm>
+      </p:grpSpPr>
+    </p:spTree>
+    <p:extLst>
+      <p:ext uri="{BB962C8B-B14F-4D97-AF65-F5344CB8AC3E}">
+        <p14:creationId xmlns:p14="http://schemas.microsoft.com/office/powerpoint/2010/main" val="3219432478"/>
+      </p:ext>
+    </p:extLst>
+  </p:cSld>
+  <p:clrMapOvr>
+    <a:masterClrMapping/>
+  </p:clrMapOvr>
+</p:sld>
+</file>
+
+<file path=ppt/slides/slide16.xml><?xml version="1.0" encoding="utf-8"?>
+<p:sld xmlns:a="http://schemas.openxmlformats.org/drawingml/2006/main" xmlns:r="http://schemas.openxmlformats.org/officeDocument/2006/relationships" xmlns:p="http://schemas.openxmlformats.org/presentationml/2006/main">
+  <p:cSld>
+    <p:spTree>
+      <p:nvGrpSpPr>
+        <p:cNvPr id="1" name=""/>
+        <p:cNvGrpSpPr/>
+        <p:nvPr/>
+      </p:nvGrpSpPr>
+      <p:grpSpPr>
+        <a:xfrm>
+          <a:off x="0" y="0"/>
+          <a:ext cx="0" cy="0"/>
+          <a:chOff x="0" y="0"/>
+          <a:chExt cx="0" cy="0"/>
+        </a:xfrm>
+      </p:grpSpPr>
+    </p:spTree>
+    <p:extLst>
+      <p:ext uri="{BB962C8B-B14F-4D97-AF65-F5344CB8AC3E}">
+        <p14:creationId xmlns:p14="http://schemas.microsoft.com/office/powerpoint/2010/main" val="3574682414"/>
+      </p:ext>
+    </p:extLst>
+  </p:cSld>
+  <p:clrMapOvr>
+    <a:masterClrMapping/>
+  </p:clrMapOvr>
+</p:sld>
+</file>
+
+<file path=ppt/slides/slide17.xml><?xml version="1.0" encoding="utf-8"?>
+<p:sld xmlns:a="http://schemas.openxmlformats.org/drawingml/2006/main" xmlns:r="http://schemas.openxmlformats.org/officeDocument/2006/relationships" xmlns:p="http://schemas.openxmlformats.org/presentationml/2006/main">
+  <p:cSld>
+    <p:spTree>
+      <p:nvGrpSpPr>
+        <p:cNvPr id="1" name=""/>
+        <p:cNvGrpSpPr/>
+        <p:nvPr/>
+      </p:nvGrpSpPr>
+      <p:grpSpPr>
+        <a:xfrm>
+          <a:off x="0" y="0"/>
+          <a:ext cx="0" cy="0"/>
+          <a:chOff x="0" y="0"/>
+          <a:chExt cx="0" cy="0"/>
+        </a:xfrm>
+      </p:grpSpPr>
+    </p:spTree>
+    <p:extLst>
+      <p:ext uri="{BB962C8B-B14F-4D97-AF65-F5344CB8AC3E}">
+        <p14:creationId xmlns:p14="http://schemas.microsoft.com/office/powerpoint/2010/main" val="260354412"/>
+      </p:ext>
+    </p:extLst>
+  </p:cSld>
+  <p:clrMapOvr>
+    <a:masterClrMapping/>
+  </p:clrMapOvr>
+</p:sld>
+</file>
+
+<file path=ppt/slides/slide18.xml><?xml version="1.0" encoding="utf-8"?>
+<p:sld xmlns:a="http://schemas.openxmlformats.org/drawingml/2006/main" xmlns:r="http://schemas.openxmlformats.org/officeDocument/2006/relationships" xmlns:p="http://schemas.openxmlformats.org/presentationml/2006/main">
+  <p:cSld>
+    <p:spTree>
+      <p:nvGrpSpPr>
+        <p:cNvPr id="1" name=""/>
+        <p:cNvGrpSpPr/>
+        <p:nvPr/>
+      </p:nvGrpSpPr>
+      <p:grpSpPr>
+        <a:xfrm>
+          <a:off x="0" y="0"/>
+          <a:ext cx="0" cy="0"/>
+          <a:chOff x="0" y="0"/>
+          <a:chExt cx="0" cy="0"/>
+        </a:xfrm>
+      </p:grpSpPr>
+    </p:spTree>
+    <p:extLst>
+      <p:ext uri="{BB962C8B-B14F-4D97-AF65-F5344CB8AC3E}">
+        <p14:creationId xmlns:p14="http://schemas.microsoft.com/office/powerpoint/2010/main" val="2448846072"/>
+      </p:ext>
+    </p:extLst>
+  </p:cSld>
+  <p:clrMapOvr>
+    <a:masterClrMapping/>
+  </p:clrMapOvr>
+</p:sld>
+</file>
+
+<file path=ppt/slides/slide19.xml><?xml version="1.0" encoding="utf-8"?>
+<p:sld xmlns:a="http://schemas.openxmlformats.org/drawingml/2006/main" xmlns:r="http://schemas.openxmlformats.org/officeDocument/2006/relationships" xmlns:p="http://schemas.openxmlformats.org/presentationml/2006/main">
+  <p:cSld>
+    <p:spTree>
+      <p:nvGrpSpPr>
+        <p:cNvPr id="1" name=""/>
+        <p:cNvGrpSpPr/>
+        <p:nvPr/>
+      </p:nvGrpSpPr>
+      <p:grpSpPr>
+        <a:xfrm>
+          <a:off x="0" y="0"/>
+          <a:ext cx="0" cy="0"/>
+          <a:chOff x="0" y="0"/>
+          <a:chExt cx="0" cy="0"/>
+        </a:xfrm>
+      </p:grpSpPr>
+    </p:spTree>
+    <p:extLst>
+      <p:ext uri="{BB962C8B-B14F-4D97-AF65-F5344CB8AC3E}">
+        <p14:creationId xmlns:p14="http://schemas.microsoft.com/office/powerpoint/2010/main" val="1162779327"/>
       </p:ext>
     </p:extLst>
   </p:cSld>
@@ -3611,6 +4151,36 @@
     <p:extLst>
       <p:ext uri="{BB962C8B-B14F-4D97-AF65-F5344CB8AC3E}">
         <p14:creationId xmlns:p14="http://schemas.microsoft.com/office/powerpoint/2010/main" val="3822887583"/>
+      </p:ext>
+    </p:extLst>
+  </p:cSld>
+  <p:clrMapOvr>
+    <a:masterClrMapping/>
+  </p:clrMapOvr>
+</p:sld>
+</file>
+
+<file path=ppt/slides/slide20.xml><?xml version="1.0" encoding="utf-8"?>
+<p:sld xmlns:a="http://schemas.openxmlformats.org/drawingml/2006/main" xmlns:r="http://schemas.openxmlformats.org/officeDocument/2006/relationships" xmlns:p="http://schemas.openxmlformats.org/presentationml/2006/main">
+  <p:cSld>
+    <p:spTree>
+      <p:nvGrpSpPr>
+        <p:cNvPr id="1" name=""/>
+        <p:cNvGrpSpPr/>
+        <p:nvPr/>
+      </p:nvGrpSpPr>
+      <p:grpSpPr>
+        <a:xfrm>
+          <a:off x="0" y="0"/>
+          <a:ext cx="0" cy="0"/>
+          <a:chOff x="0" y="0"/>
+          <a:chExt cx="0" cy="0"/>
+        </a:xfrm>
+      </p:grpSpPr>
+    </p:spTree>
+    <p:extLst>
+      <p:ext uri="{BB962C8B-B14F-4D97-AF65-F5344CB8AC3E}">
+        <p14:creationId xmlns:p14="http://schemas.microsoft.com/office/powerpoint/2010/main" val="129591373"/>
       </p:ext>
     </p:extLst>
   </p:cSld>
@@ -4709,8 +5279,8 @@
           </a:prstGeom>
         </p:spPr>
       </p:pic>
-      <mc:AlternateContent xmlns:mc="http://schemas.openxmlformats.org/markup-compatibility/2006">
-        <mc:Choice xmlns:p14="http://schemas.microsoft.com/office/powerpoint/2010/main" Requires="p14">
+      <mc:AlternateContent xmlns:mc="http://schemas.openxmlformats.org/markup-compatibility/2006" xmlns:p14="http://schemas.microsoft.com/office/powerpoint/2010/main">
+        <mc:Choice Requires="p14">
           <p:contentPart p14:bwMode="auto" r:id="rId4">
             <p14:nvContentPartPr>
               <p14:cNvPr id="6" name="잉크 5">
@@ -4729,7 +5299,7 @@
             </p14:xfrm>
           </p:contentPart>
         </mc:Choice>
-        <mc:Fallback>
+        <mc:Fallback xmlns="">
           <p:pic>
             <p:nvPicPr>
               <p:cNvPr id="6" name="잉크 5">
@@ -5710,6 +6280,60 @@
           </a:p>
         </p:txBody>
       </p:sp>
+      <p:sp>
+        <p:nvSpPr>
+          <p:cNvPr id="11" name="TextBox 10">
+            <a:extLst>
+              <a:ext uri="{FF2B5EF4-FFF2-40B4-BE49-F238E27FC236}">
+                <a16:creationId xmlns:a16="http://schemas.microsoft.com/office/drawing/2014/main" id="{D328AA1C-9186-D6C2-802F-152CAEEAE55C}"/>
+              </a:ext>
+            </a:extLst>
+          </p:cNvPr>
+          <p:cNvSpPr txBox="1"/>
+          <p:nvPr/>
+        </p:nvSpPr>
+        <p:spPr>
+          <a:xfrm>
+            <a:off x="6388785" y="3402505"/>
+            <a:ext cx="749757" cy="1200329"/>
+          </a:xfrm>
+          <a:prstGeom prst="rect">
+            <a:avLst/>
+          </a:prstGeom>
+          <a:noFill/>
+        </p:spPr>
+        <p:txBody>
+          <a:bodyPr wrap="none" rtlCol="0">
+            <a:spAutoFit/>
+          </a:bodyPr>
+          <a:lstStyle/>
+          <a:p>
+            <a:r>
+              <a:rPr lang="en-US" altLang="ko-KR" dirty="0"/>
+              <a:t>Int</a:t>
+            </a:r>
+          </a:p>
+          <a:p>
+            <a:r>
+              <a:rPr lang="en-US" altLang="ko-KR" dirty="0"/>
+              <a:t>Bool</a:t>
+            </a:r>
+          </a:p>
+          <a:p>
+            <a:r>
+              <a:rPr lang="en-US" altLang="ko-KR" dirty="0"/>
+              <a:t>Short</a:t>
+            </a:r>
+          </a:p>
+          <a:p>
+            <a:r>
+              <a:rPr lang="en-US" altLang="ko-KR" dirty="0"/>
+              <a:t>bool</a:t>
+            </a:r>
+            <a:endParaRPr lang="ko-KR" altLang="en-US" dirty="0"/>
+          </a:p>
+        </p:txBody>
+      </p:sp>
     </p:spTree>
     <p:extLst>
       <p:ext uri="{BB962C8B-B14F-4D97-AF65-F5344CB8AC3E}">
@@ -5740,6 +6364,36 @@
           <a:chExt cx="0" cy="0"/>
         </a:xfrm>
       </p:grpSpPr>
+      <p:pic>
+        <p:nvPicPr>
+          <p:cNvPr id="3" name="그림 2">
+            <a:extLst>
+              <a:ext uri="{FF2B5EF4-FFF2-40B4-BE49-F238E27FC236}">
+                <a16:creationId xmlns:a16="http://schemas.microsoft.com/office/drawing/2014/main" id="{51422CB9-6E94-7261-EF48-0A38A2B18470}"/>
+              </a:ext>
+            </a:extLst>
+          </p:cNvPr>
+          <p:cNvPicPr>
+            <a:picLocks noChangeAspect="1"/>
+          </p:cNvPicPr>
+          <p:nvPr/>
+        </p:nvPicPr>
+        <p:blipFill>
+          <a:blip r:embed="rId2"/>
+          <a:stretch>
+            <a:fillRect/>
+          </a:stretch>
+        </p:blipFill>
+        <p:spPr>
+          <a:xfrm>
+            <a:off x="593308" y="428206"/>
+            <a:ext cx="8049748" cy="6001588"/>
+          </a:xfrm>
+          <a:prstGeom prst="rect">
+            <a:avLst/>
+          </a:prstGeom>
+        </p:spPr>
+      </p:pic>
     </p:spTree>
     <p:extLst>
       <p:ext uri="{BB962C8B-B14F-4D97-AF65-F5344CB8AC3E}">

--- a/DOC/240926_클래스기초.pptx
+++ b/DOC/240926_클래스기초.pptx
@@ -5,26 +5,30 @@
     <p:sldMasterId id="2147483648" r:id="rId1"/>
   </p:sldMasterIdLst>
   <p:sldIdLst>
-    <p:sldId id="283" r:id="rId2"/>
-    <p:sldId id="287" r:id="rId3"/>
-    <p:sldId id="288" r:id="rId4"/>
-    <p:sldId id="289" r:id="rId5"/>
-    <p:sldId id="290" r:id="rId6"/>
-    <p:sldId id="291" r:id="rId7"/>
-    <p:sldId id="292" r:id="rId8"/>
-    <p:sldId id="293" r:id="rId9"/>
-    <p:sldId id="294" r:id="rId10"/>
-    <p:sldId id="295" r:id="rId11"/>
-    <p:sldId id="296" r:id="rId12"/>
-    <p:sldId id="297" r:id="rId13"/>
-    <p:sldId id="299" r:id="rId14"/>
-    <p:sldId id="298" r:id="rId15"/>
-    <p:sldId id="300" r:id="rId16"/>
-    <p:sldId id="301" r:id="rId17"/>
-    <p:sldId id="302" r:id="rId18"/>
-    <p:sldId id="303" r:id="rId19"/>
-    <p:sldId id="304" r:id="rId20"/>
-    <p:sldId id="305" r:id="rId21"/>
+    <p:sldId id="306" r:id="rId2"/>
+    <p:sldId id="283" r:id="rId3"/>
+    <p:sldId id="287" r:id="rId4"/>
+    <p:sldId id="307" r:id="rId5"/>
+    <p:sldId id="288" r:id="rId6"/>
+    <p:sldId id="289" r:id="rId7"/>
+    <p:sldId id="290" r:id="rId8"/>
+    <p:sldId id="291" r:id="rId9"/>
+    <p:sldId id="292" r:id="rId10"/>
+    <p:sldId id="293" r:id="rId11"/>
+    <p:sldId id="308" r:id="rId12"/>
+    <p:sldId id="294" r:id="rId13"/>
+    <p:sldId id="295" r:id="rId14"/>
+    <p:sldId id="296" r:id="rId15"/>
+    <p:sldId id="297" r:id="rId16"/>
+    <p:sldId id="299" r:id="rId17"/>
+    <p:sldId id="309" r:id="rId18"/>
+    <p:sldId id="298" r:id="rId19"/>
+    <p:sldId id="300" r:id="rId20"/>
+    <p:sldId id="301" r:id="rId21"/>
+    <p:sldId id="302" r:id="rId22"/>
+    <p:sldId id="303" r:id="rId23"/>
+    <p:sldId id="304" r:id="rId24"/>
+    <p:sldId id="305" r:id="rId25"/>
   </p:sldIdLst>
   <p:sldSz cx="12192000" cy="6858000"/>
   <p:notesSz cx="6858000" cy="9144000"/>
@@ -156,6 +160,34 @@
     </inkml:brush>
   </inkml:definitions>
   <inkml:trace contextRef="#ctx0" brushRef="#br0">1132 1 24575,'-6'1'0,"0"1"0,0 0 0,1 0 0,-1 1 0,1-1 0,-1 1 0,1 1 0,0-1 0,-6 6 0,-2 1 0,-573 386 0,482-330 0,-69 49 0,147-95 0,3-4 0,1 1 0,1 2 0,-24 26 0,39-38 0,0 2 0,0-1 0,1 1 0,0 0 0,0 0 0,1 0 0,0 0 0,1 1 0,0 0 0,0 0 0,1-1 0,-1 20 0,1-8 0,1 1 0,1 0 0,1 0 0,2-1 0,0 1 0,0-1 0,2 1 0,1-1 0,1-1 0,0 1 0,2-1 0,0-1 0,1 1 0,16 22 0,-6-13 0,10 18 0,2-1 0,56 61 0,116 89 0,-165-163 0,1-3 0,1-1 0,73 38 0,-46-31 0,43 20 0,-72-39 0,1-1 0,0-2 0,1-1 0,1-3 0,0-1 0,74 5 0,-86-12 0,45 8 0,-44-4 0,43 1 0,563-8 0,-627 0 0,0 0 0,0 0 0,0-1 0,0-1 0,0 1 0,-1-2 0,1 1 0,-1-1 0,0-1 0,0 0 0,-1 0 0,1 0 0,-1-1 0,0-1 0,8-8 0,13-14 0,-2-1 0,35-50 0,-23 28 0,3-6 0,34-64 0,-1 2 0,-64 103 0,-1 0 0,-1-1 0,0 0 0,-2 0 0,0-1 0,0 0 0,4-30 0,-5 8 0,-2-1 0,-2-64 0,-2 88 0,-2 1 0,0 0 0,-1 0 0,-1 0 0,0 1 0,-13-30 0,-1 5 0,-35-53 0,27 49 0,-2-3 0,-50-66 0,35 61 0,-54-51 0,72 81 0,-2 0 0,0 2 0,-2 1 0,-32-17 0,27 18 0,0 1 0,-1 2 0,-63-19 0,28 16 0,8 0 0,-1 3 0,-1 3 0,0 2 0,-75-2 0,119 12 0,0-1 0,-32-7 0,-35-4 0,63 12-101,-105 2 335,115 0-421,0 1-1,1 1 1,0 0 0,-1 0 0,1 1-1,0 1 1,-15 8 0,14-5-6639</inkml:trace>
+</inkml:ink>
+</file>
+
+<file path=ppt/ink/ink2.xml><?xml version="1.0" encoding="utf-8"?>
+<inkml:ink xmlns:inkml="http://www.w3.org/2003/InkML">
+  <inkml:definitions>
+    <inkml:context xml:id="ctx0">
+      <inkml:inkSource xml:id="inkSrc0">
+        <inkml:traceFormat>
+          <inkml:channel name="X" type="integer" min="-2.14748E9" max="2.14748E9" units="cm"/>
+          <inkml:channel name="Y" type="integer" min="-2.14748E9" max="2.14748E9" units="cm"/>
+          <inkml:channel name="F" type="integer" max="32767" units="dev"/>
+        </inkml:traceFormat>
+        <inkml:channelProperties>
+          <inkml:channelProperty channel="X" name="resolution" value="1000" units="1/cm"/>
+          <inkml:channelProperty channel="Y" name="resolution" value="1000" units="1/cm"/>
+          <inkml:channelProperty channel="F" name="resolution" value="0" units="1/dev"/>
+        </inkml:channelProperties>
+      </inkml:inkSource>
+      <inkml:timestamp xml:id="ts0" timeString="2024-09-25T07:53:16.871"/>
+    </inkml:context>
+    <inkml:brush xml:id="br0">
+      <inkml:brushProperty name="width" value="0.035" units="cm"/>
+      <inkml:brushProperty name="height" value="0.035" units="cm"/>
+      <inkml:brushProperty name="color" value="#E71224"/>
+    </inkml:brush>
+  </inkml:definitions>
+  <inkml:trace contextRef="#ctx0" brushRef="#br0">5527 160 24575,'-14'-1'0,"-1"-2"0,1 0 0,0 0 0,0-1 0,1-1 0,-1 0 0,-14-8 0,-30-11 0,6 7 0,-1 2 0,-1 2 0,0 3 0,0 2 0,-106-1 0,50 11 0,-165-4 0,164-10 0,-42-1 0,-359 12 0,239 2 0,50 16 0,128-8 0,8 0 0,-197 9 0,190-17 0,-108 13 0,65-2 0,-206-10 0,159-5 0,-515 3 0,668 2 0,-58 10 0,57-7 0,-54 3 0,65-6 0,0 0 0,-31 7 0,30-4 0,-1-1 0,-23 1 0,8-4 0,6-1 0,1 1 0,0 2 0,-33 7 0,6 3 0,-110 29 0,144-34 0,1 1 0,0 1 0,0 1 0,1 1 0,-40 30 0,52-35 0,1 0 0,0 1 0,0 0 0,1 0 0,0 1 0,0 1 0,1-1 0,0 1 0,1 0 0,0 1 0,1-1 0,0 1 0,1 0 0,-6 19 0,10-26 0,-1 0 0,1 0 0,0 0 0,0-1 0,1 1 0,-1 0 0,1 0 0,0-1 0,0 1 0,0 0 0,0-1 0,0 1 0,1-1 0,0 1 0,0-1 0,0 0 0,0 0 0,0 0 0,1 0 0,-1 0 0,1 0 0,0-1 0,0 1 0,6 3 0,8 5 0,1 0 0,0-2 0,32 13 0,4 2 0,95 46 0,308 100 0,-394-149 0,33 7 0,103 16 0,-107-19 0,-71-18 0,0-1 0,1-1 0,-1 0 0,39 1 0,12-5 0,-23-2 0,1 3 0,72 11 0,-60-5 0,1-3 0,127-5 0,-72-3 0,-34 3 0,53 1 0,141-18 0,14 2 0,-37 4 0,352-1 0,-373 14 0,669-2 0,-869 2 0,57 10 0,25 1 0,128-15 0,91 4 0,-232 10 0,-60-5 0,54 0 0,1011-6 0,-496-3 0,-592 1 0,0-1 0,35-8 0,-34 5 0,1 1 0,24 0 0,354 3 0,-191 2 0,-177-2 0,56-11 0,-56 6 0,54-2 0,1211 9 0,-1283-1 0,1-1 0,0-1 0,-1 0 0,0-1 0,0 0 0,0-1 0,0-1 0,0 0 0,-1-1 0,0-1 0,0 0 0,13-10 0,8-9 0,-1-2 0,51-55 0,-38 36 0,-40 40 0,0 1 0,-1-1 0,0 1 0,0-2 0,-1 1 0,0 0 0,0-1 0,0 0 0,-1 0 0,0 0 0,-1 0 0,0 0 0,0-1 0,-1 1 0,1-9 0,-2 10 0,0 1 0,-1 0 0,1 0 0,-1 0 0,0 0 0,-1 0 0,1 0 0,-1 0 0,-1 1 0,1-1 0,-1 1 0,0-1 0,0 1 0,0 0 0,-1 0 0,0 0 0,0 0 0,0 1 0,0 0 0,-1 0 0,-7-5 0,-31-20 0,0 3 0,-2 2 0,-1 2 0,-1 2 0,-1 1 0,-69-16 0,97 30 0,-32-8 0,-88-12 0,1 1 0,94 14 0,-87-7 0,-34 1 0,67 5 0,5 0 0,30 3 0,-66 0 0,-878 9 0,838 13 0,14 0 0,-47-1 0,-39 0 0,73 1 0,112-7 0,-59-1 0,-10-9 0,-170 6 0,225 9 0,51-7 0,0-1 0,-28 1 0,-423-4 82,228-3-1529,220 2-5379</inkml:trace>
 </inkml:ink>
 </file>
 
@@ -3373,40 +3405,57 @@
           <a:chExt cx="0" cy="0"/>
         </a:xfrm>
       </p:grpSpPr>
-      <p:pic>
-        <p:nvPicPr>
-          <p:cNvPr id="3" name="그림 2">
-            <a:extLst>
-              <a:ext uri="{FF2B5EF4-FFF2-40B4-BE49-F238E27FC236}">
-                <a16:creationId xmlns:a16="http://schemas.microsoft.com/office/drawing/2014/main" id="{DC0B66C8-E9A4-07A4-23B0-886E5A5DCFBF}"/>
-              </a:ext>
-            </a:extLst>
-          </p:cNvPr>
-          <p:cNvPicPr>
-            <a:picLocks noChangeAspect="1"/>
-          </p:cNvPicPr>
+      <p:sp>
+        <p:nvSpPr>
+          <p:cNvPr id="2" name="TextBox 1">
+            <a:extLst>
+              <a:ext uri="{FF2B5EF4-FFF2-40B4-BE49-F238E27FC236}">
+                <a16:creationId xmlns:a16="http://schemas.microsoft.com/office/drawing/2014/main" id="{831ADEF2-87BD-1193-4787-F586A3FD813E}"/>
+              </a:ext>
+            </a:extLst>
+          </p:cNvPr>
+          <p:cNvSpPr txBox="1"/>
           <p:nvPr/>
-        </p:nvPicPr>
-        <p:blipFill>
-          <a:blip r:embed="rId2"/>
-          <a:stretch>
-            <a:fillRect/>
-          </a:stretch>
-        </p:blipFill>
-        <p:spPr>
-          <a:xfrm>
-            <a:off x="408534" y="236980"/>
-            <a:ext cx="10783805" cy="4001058"/>
+        </p:nvSpPr>
+        <p:spPr>
+          <a:xfrm>
+            <a:off x="738909" y="508000"/>
+            <a:ext cx="7048724" cy="861774"/>
           </a:xfrm>
           <a:prstGeom prst="rect">
             <a:avLst/>
           </a:prstGeom>
-        </p:spPr>
-      </p:pic>
+          <a:noFill/>
+        </p:spPr>
+        <p:txBody>
+          <a:bodyPr wrap="none" rtlCol="0">
+            <a:spAutoFit/>
+          </a:bodyPr>
+          <a:lstStyle/>
+          <a:p>
+            <a:r>
+              <a:rPr lang="ko-KR" altLang="en-US" sz="5000" dirty="0" err="1"/>
+              <a:t>맴버변수</a:t>
+            </a:r>
+            <a:r>
+              <a:rPr lang="ko-KR" altLang="en-US" sz="5000" dirty="0"/>
+              <a:t> </a:t>
+            </a:r>
+            <a:r>
+              <a:rPr lang="ko-KR" altLang="en-US" sz="5000" dirty="0" err="1"/>
+              <a:t>맴버함수</a:t>
+            </a:r>
+            <a:r>
+              <a:rPr lang="ko-KR" altLang="en-US" sz="5000" dirty="0"/>
+              <a:t> 기초</a:t>
+            </a:r>
+          </a:p>
+        </p:txBody>
+      </p:sp>
     </p:spTree>
     <p:extLst>
       <p:ext uri="{BB962C8B-B14F-4D97-AF65-F5344CB8AC3E}">
-        <p14:creationId xmlns:p14="http://schemas.microsoft.com/office/powerpoint/2010/main" val="3829778480"/>
+        <p14:creationId xmlns:p14="http://schemas.microsoft.com/office/powerpoint/2010/main" val="4070017943"/>
       </p:ext>
     </p:extLst>
   </p:cSld>
@@ -3435,10 +3484,10 @@
       </p:grpSpPr>
       <p:pic>
         <p:nvPicPr>
-          <p:cNvPr id="3" name="그림 2">
-            <a:extLst>
-              <a:ext uri="{FF2B5EF4-FFF2-40B4-BE49-F238E27FC236}">
-                <a16:creationId xmlns:a16="http://schemas.microsoft.com/office/drawing/2014/main" id="{BE09CB62-B757-D6D6-EE33-EF298BB9AC7A}"/>
+          <p:cNvPr id="2" name="그림 1">
+            <a:extLst>
+              <a:ext uri="{FF2B5EF4-FFF2-40B4-BE49-F238E27FC236}">
+                <a16:creationId xmlns:a16="http://schemas.microsoft.com/office/drawing/2014/main" id="{1710A148-423A-C99A-9F96-905382F83D4D}"/>
               </a:ext>
             </a:extLst>
           </p:cNvPr>
@@ -3455,8 +3504,8 @@
         </p:blipFill>
         <p:spPr>
           <a:xfrm>
-            <a:off x="511260" y="391451"/>
-            <a:ext cx="7068536" cy="2686425"/>
+            <a:off x="432859" y="638317"/>
+            <a:ext cx="5061450" cy="3609279"/>
           </a:xfrm>
           <a:prstGeom prst="rect">
             <a:avLst/>
@@ -3465,10 +3514,60 @@
       </p:pic>
       <p:sp>
         <p:nvSpPr>
+          <p:cNvPr id="3" name="직사각형 2">
+            <a:extLst>
+              <a:ext uri="{FF2B5EF4-FFF2-40B4-BE49-F238E27FC236}">
+                <a16:creationId xmlns:a16="http://schemas.microsoft.com/office/drawing/2014/main" id="{E3CF58C8-4E95-747E-8722-CD599F339212}"/>
+              </a:ext>
+            </a:extLst>
+          </p:cNvPr>
+          <p:cNvSpPr/>
+          <p:nvPr/>
+        </p:nvSpPr>
+        <p:spPr>
+          <a:xfrm>
+            <a:off x="6472682" y="1432986"/>
+            <a:ext cx="4620191" cy="534360"/>
+          </a:xfrm>
+          <a:prstGeom prst="rect">
+            <a:avLst/>
+          </a:prstGeom>
+        </p:spPr>
+        <p:style>
+          <a:lnRef idx="2">
+            <a:schemeClr val="accent1">
+              <a:shade val="15000"/>
+            </a:schemeClr>
+          </a:lnRef>
+          <a:fillRef idx="1">
+            <a:schemeClr val="accent1"/>
+          </a:fillRef>
+          <a:effectRef idx="0">
+            <a:schemeClr val="accent1"/>
+          </a:effectRef>
+          <a:fontRef idx="minor">
+            <a:schemeClr val="lt1"/>
+          </a:fontRef>
+        </p:style>
+        <p:txBody>
+          <a:bodyPr rtlCol="0" anchor="ctr"/>
+          <a:lstStyle/>
+          <a:p>
+            <a:pPr algn="ctr"/>
+            <a:r>
+              <a:rPr lang="en-US" altLang="ko-KR" dirty="0" err="1"/>
+              <a:t>NewPlayer</a:t>
+            </a:r>
+            <a:endParaRPr lang="ko-KR" altLang="en-US" dirty="0"/>
+          </a:p>
+        </p:txBody>
+      </p:sp>
+      <p:sp>
+        <p:nvSpPr>
           <p:cNvPr id="4" name="TextBox 3">
             <a:extLst>
               <a:ext uri="{FF2B5EF4-FFF2-40B4-BE49-F238E27FC236}">
-                <a16:creationId xmlns:a16="http://schemas.microsoft.com/office/drawing/2014/main" id="{8F6EBB35-35E6-CE3B-C9A3-7333B38A880A}"/>
+                <a16:creationId xmlns:a16="http://schemas.microsoft.com/office/drawing/2014/main" id="{91D79252-1CB0-C077-7E45-83A61C83ECD4}"/>
               </a:ext>
             </a:extLst>
           </p:cNvPr>
@@ -3477,8 +3576,8 @@
         </p:nvSpPr>
         <p:spPr>
           <a:xfrm>
-            <a:off x="7995913" y="391451"/>
-            <a:ext cx="3482043" cy="923330"/>
+            <a:off x="6225309" y="1062182"/>
+            <a:ext cx="877163" cy="369332"/>
           </a:xfrm>
           <a:prstGeom prst="rect">
             <a:avLst/>
@@ -3493,31 +3592,288 @@
           <a:p>
             <a:r>
               <a:rPr lang="ko-KR" altLang="en-US" dirty="0"/>
-              <a:t>클래스의 초기화 방식에는</a:t>
-            </a:r>
-            <a:endParaRPr lang="en-US" altLang="ko-KR" dirty="0"/>
-          </a:p>
-          <a:p>
-            <a:endParaRPr lang="en-US" altLang="ko-KR" dirty="0"/>
-          </a:p>
-          <a:p>
-            <a:r>
-              <a:rPr lang="ko-KR" altLang="en-US" dirty="0"/>
-              <a:t>다음의 두가지 방식이 존재한다</a:t>
-            </a:r>
-            <a:r>
-              <a:rPr lang="en-US" altLang="ko-KR" dirty="0"/>
-              <a:t>.</a:t>
-            </a:r>
-          </a:p>
-        </p:txBody>
-      </p:sp>
+              <a:t>시작점</a:t>
+            </a:r>
+          </a:p>
+        </p:txBody>
+      </p:sp>
+      <p:sp>
+        <p:nvSpPr>
+          <p:cNvPr id="5" name="TextBox 4">
+            <a:extLst>
+              <a:ext uri="{FF2B5EF4-FFF2-40B4-BE49-F238E27FC236}">
+                <a16:creationId xmlns:a16="http://schemas.microsoft.com/office/drawing/2014/main" id="{816CC3A7-9E60-038C-B5A9-8D30B4B9D536}"/>
+              </a:ext>
+            </a:extLst>
+          </p:cNvPr>
+          <p:cNvSpPr txBox="1"/>
+          <p:nvPr/>
+        </p:nvSpPr>
+        <p:spPr>
+          <a:xfrm>
+            <a:off x="6472682" y="2485999"/>
+            <a:ext cx="2310095" cy="369332"/>
+          </a:xfrm>
+          <a:prstGeom prst="rect">
+            <a:avLst/>
+          </a:prstGeom>
+        </p:spPr>
+        <p:style>
+          <a:lnRef idx="2">
+            <a:schemeClr val="accent4"/>
+          </a:lnRef>
+          <a:fillRef idx="1">
+            <a:schemeClr val="lt1"/>
+          </a:fillRef>
+          <a:effectRef idx="0">
+            <a:schemeClr val="accent4"/>
+          </a:effectRef>
+          <a:fontRef idx="minor">
+            <a:schemeClr val="dk1"/>
+          </a:fontRef>
+        </p:style>
+        <p:txBody>
+          <a:bodyPr wrap="square">
+            <a:spAutoFit/>
+          </a:bodyPr>
+          <a:lstStyle/>
+          <a:p>
+            <a:r>
+              <a:rPr lang="en-US" altLang="ko-KR" sz="1800" dirty="0">
+                <a:solidFill>
+                  <a:srgbClr val="0000FF"/>
+                </a:solidFill>
+                <a:highlight>
+                  <a:srgbClr val="FFFFFF"/>
+                </a:highlight>
+                <a:latin typeface="돋움체" panose="020B0609000101010101" pitchFamily="49" charset="-127"/>
+                <a:ea typeface="돋움체" panose="020B0609000101010101" pitchFamily="49" charset="-127"/>
+              </a:rPr>
+              <a:t>int</a:t>
+            </a:r>
+            <a:r>
+              <a:rPr lang="en-US" altLang="ko-KR" sz="1800" dirty="0">
+                <a:solidFill>
+                  <a:srgbClr val="000000"/>
+                </a:solidFill>
+                <a:highlight>
+                  <a:srgbClr val="FFFFFF"/>
+                </a:highlight>
+                <a:latin typeface="돋움체" panose="020B0609000101010101" pitchFamily="49" charset="-127"/>
+                <a:ea typeface="돋움체" panose="020B0609000101010101" pitchFamily="49" charset="-127"/>
+              </a:rPr>
+              <a:t> </a:t>
+            </a:r>
+            <a:r>
+              <a:rPr lang="en-US" altLang="ko-KR" sz="1800" dirty="0" err="1">
+                <a:solidFill>
+                  <a:srgbClr val="000000"/>
+                </a:solidFill>
+                <a:highlight>
+                  <a:srgbClr val="FFFFFF"/>
+                </a:highlight>
+                <a:latin typeface="돋움체" panose="020B0609000101010101" pitchFamily="49" charset="-127"/>
+                <a:ea typeface="돋움체" panose="020B0609000101010101" pitchFamily="49" charset="-127"/>
+              </a:rPr>
+              <a:t>intValue</a:t>
+            </a:r>
+            <a:endParaRPr lang="ko-KR" altLang="en-US" dirty="0"/>
+          </a:p>
+        </p:txBody>
+      </p:sp>
+      <p:graphicFrame>
+        <p:nvGraphicFramePr>
+          <p:cNvPr id="6" name="표 5">
+            <a:extLst>
+              <a:ext uri="{FF2B5EF4-FFF2-40B4-BE49-F238E27FC236}">
+                <a16:creationId xmlns:a16="http://schemas.microsoft.com/office/drawing/2014/main" id="{DC5BE169-0C4C-8134-DB8C-0B92A7C19980}"/>
+              </a:ext>
+            </a:extLst>
+          </p:cNvPr>
+          <p:cNvGraphicFramePr>
+            <a:graphicFrameLocks noGrp="1"/>
+          </p:cNvGraphicFramePr>
+          <p:nvPr>
+            <p:extLst>
+              <p:ext uri="{D42A27DB-BD31-4B8C-83A1-F6EECF244321}">
+                <p14:modId xmlns:p14="http://schemas.microsoft.com/office/powerpoint/2010/main" val="2028989824"/>
+              </p:ext>
+            </p:extLst>
+          </p:nvPr>
+        </p:nvGraphicFramePr>
+        <p:xfrm>
+          <a:off x="6472681" y="1979199"/>
+          <a:ext cx="4620192" cy="370840"/>
+        </p:xfrm>
+        <a:graphic>
+          <a:graphicData uri="http://schemas.openxmlformats.org/drawingml/2006/table">
+            <a:tbl>
+              <a:tblPr firstRow="1" bandRow="1">
+                <a:tableStyleId>{5C22544A-7EE6-4342-B048-85BDC9FD1C3A}</a:tableStyleId>
+              </a:tblPr>
+              <a:tblGrid>
+                <a:gridCol w="577524">
+                  <a:extLst>
+                    <a:ext uri="{9D8B030D-6E8A-4147-A177-3AD203B41FA5}">
+                      <a16:colId xmlns:a16="http://schemas.microsoft.com/office/drawing/2014/main" val="2740056622"/>
+                    </a:ext>
+                  </a:extLst>
+                </a:gridCol>
+                <a:gridCol w="577524">
+                  <a:extLst>
+                    <a:ext uri="{9D8B030D-6E8A-4147-A177-3AD203B41FA5}">
+                      <a16:colId xmlns:a16="http://schemas.microsoft.com/office/drawing/2014/main" val="920595322"/>
+                    </a:ext>
+                  </a:extLst>
+                </a:gridCol>
+                <a:gridCol w="577524">
+                  <a:extLst>
+                    <a:ext uri="{9D8B030D-6E8A-4147-A177-3AD203B41FA5}">
+                      <a16:colId xmlns:a16="http://schemas.microsoft.com/office/drawing/2014/main" val="3912814933"/>
+                    </a:ext>
+                  </a:extLst>
+                </a:gridCol>
+                <a:gridCol w="577524">
+                  <a:extLst>
+                    <a:ext uri="{9D8B030D-6E8A-4147-A177-3AD203B41FA5}">
+                      <a16:colId xmlns:a16="http://schemas.microsoft.com/office/drawing/2014/main" val="1052173851"/>
+                    </a:ext>
+                  </a:extLst>
+                </a:gridCol>
+                <a:gridCol w="577524">
+                  <a:extLst>
+                    <a:ext uri="{9D8B030D-6E8A-4147-A177-3AD203B41FA5}">
+                      <a16:colId xmlns:a16="http://schemas.microsoft.com/office/drawing/2014/main" val="2306547338"/>
+                    </a:ext>
+                  </a:extLst>
+                </a:gridCol>
+                <a:gridCol w="577524">
+                  <a:extLst>
+                    <a:ext uri="{9D8B030D-6E8A-4147-A177-3AD203B41FA5}">
+                      <a16:colId xmlns:a16="http://schemas.microsoft.com/office/drawing/2014/main" val="304668049"/>
+                    </a:ext>
+                  </a:extLst>
+                </a:gridCol>
+                <a:gridCol w="577524">
+                  <a:extLst>
+                    <a:ext uri="{9D8B030D-6E8A-4147-A177-3AD203B41FA5}">
+                      <a16:colId xmlns:a16="http://schemas.microsoft.com/office/drawing/2014/main" val="2248904074"/>
+                    </a:ext>
+                  </a:extLst>
+                </a:gridCol>
+                <a:gridCol w="577524">
+                  <a:extLst>
+                    <a:ext uri="{9D8B030D-6E8A-4147-A177-3AD203B41FA5}">
+                      <a16:colId xmlns:a16="http://schemas.microsoft.com/office/drawing/2014/main" val="1927701871"/>
+                    </a:ext>
+                  </a:extLst>
+                </a:gridCol>
+              </a:tblGrid>
+              <a:tr h="370840">
+                <a:tc>
+                  <a:txBody>
+                    <a:bodyPr/>
+                    <a:lstStyle/>
+                    <a:p>
+                      <a:pPr latinLnBrk="1"/>
+                      <a:endParaRPr lang="ko-KR" altLang="en-US" dirty="0"/>
+                    </a:p>
+                  </a:txBody>
+                  <a:tcPr/>
+                </a:tc>
+                <a:tc>
+                  <a:txBody>
+                    <a:bodyPr/>
+                    <a:lstStyle/>
+                    <a:p>
+                      <a:pPr latinLnBrk="1"/>
+                      <a:endParaRPr lang="ko-KR" altLang="en-US"/>
+                    </a:p>
+                  </a:txBody>
+                  <a:tcPr/>
+                </a:tc>
+                <a:tc>
+                  <a:txBody>
+                    <a:bodyPr/>
+                    <a:lstStyle/>
+                    <a:p>
+                      <a:pPr latinLnBrk="1"/>
+                      <a:endParaRPr lang="ko-KR" altLang="en-US"/>
+                    </a:p>
+                  </a:txBody>
+                  <a:tcPr/>
+                </a:tc>
+                <a:tc>
+                  <a:txBody>
+                    <a:bodyPr/>
+                    <a:lstStyle/>
+                    <a:p>
+                      <a:pPr latinLnBrk="1"/>
+                      <a:endParaRPr lang="ko-KR" altLang="en-US"/>
+                    </a:p>
+                  </a:txBody>
+                  <a:tcPr/>
+                </a:tc>
+                <a:tc>
+                  <a:txBody>
+                    <a:bodyPr/>
+                    <a:lstStyle/>
+                    <a:p>
+                      <a:pPr latinLnBrk="1"/>
+                      <a:endParaRPr lang="ko-KR" altLang="en-US"/>
+                    </a:p>
+                  </a:txBody>
+                  <a:tcPr/>
+                </a:tc>
+                <a:tc>
+                  <a:txBody>
+                    <a:bodyPr/>
+                    <a:lstStyle/>
+                    <a:p>
+                      <a:pPr latinLnBrk="1"/>
+                      <a:endParaRPr lang="ko-KR" altLang="en-US"/>
+                    </a:p>
+                  </a:txBody>
+                  <a:tcPr/>
+                </a:tc>
+                <a:tc>
+                  <a:txBody>
+                    <a:bodyPr/>
+                    <a:lstStyle/>
+                    <a:p>
+                      <a:pPr latinLnBrk="1"/>
+                      <a:endParaRPr lang="ko-KR" altLang="en-US" dirty="0"/>
+                    </a:p>
+                  </a:txBody>
+                  <a:tcPr/>
+                </a:tc>
+                <a:tc>
+                  <a:txBody>
+                    <a:bodyPr/>
+                    <a:lstStyle/>
+                    <a:p>
+                      <a:pPr latinLnBrk="1"/>
+                      <a:endParaRPr lang="ko-KR" altLang="en-US" dirty="0"/>
+                    </a:p>
+                  </a:txBody>
+                  <a:tcPr/>
+                </a:tc>
+                <a:extLst>
+                  <a:ext uri="{0D108BD9-81ED-4DB2-BD59-A6C34878D82A}">
+                    <a16:rowId xmlns:a16="http://schemas.microsoft.com/office/drawing/2014/main" val="3643140078"/>
+                  </a:ext>
+                </a:extLst>
+              </a:tr>
+            </a:tbl>
+          </a:graphicData>
+        </a:graphic>
+      </p:graphicFrame>
       <p:pic>
         <p:nvPicPr>
-          <p:cNvPr id="6" name="그림 5">
-            <a:extLst>
-              <a:ext uri="{FF2B5EF4-FFF2-40B4-BE49-F238E27FC236}">
-                <a16:creationId xmlns:a16="http://schemas.microsoft.com/office/drawing/2014/main" id="{F34230A3-CAF0-A3E3-CB83-F3229978E512}"/>
+          <p:cNvPr id="9" name="그림 8">
+            <a:extLst>
+              <a:ext uri="{FF2B5EF4-FFF2-40B4-BE49-F238E27FC236}">
+                <a16:creationId xmlns:a16="http://schemas.microsoft.com/office/drawing/2014/main" id="{BE0032C8-5829-C36E-CF6D-2CA428BDA692}"/>
               </a:ext>
             </a:extLst>
           </p:cNvPr>
@@ -3534,8 +3890,8 @@
         </p:blipFill>
         <p:spPr>
           <a:xfrm>
-            <a:off x="648977" y="3998460"/>
-            <a:ext cx="6516009" cy="2333951"/>
+            <a:off x="861282" y="5533844"/>
+            <a:ext cx="10469436" cy="523948"/>
           </a:xfrm>
           <a:prstGeom prst="rect">
             <a:avLst/>
@@ -3544,10 +3900,10 @@
       </p:pic>
       <p:sp>
         <p:nvSpPr>
-          <p:cNvPr id="8" name="TextBox 7">
-            <a:extLst>
-              <a:ext uri="{FF2B5EF4-FFF2-40B4-BE49-F238E27FC236}">
-                <a16:creationId xmlns:a16="http://schemas.microsoft.com/office/drawing/2014/main" id="{87C033E4-1171-2B58-9675-DB6EF769B106}"/>
+          <p:cNvPr id="10" name="TextBox 9">
+            <a:extLst>
+              <a:ext uri="{FF2B5EF4-FFF2-40B4-BE49-F238E27FC236}">
+                <a16:creationId xmlns:a16="http://schemas.microsoft.com/office/drawing/2014/main" id="{36535700-6C75-E837-1240-F0E9E5B0468B}"/>
               </a:ext>
             </a:extLst>
           </p:cNvPr>
@@ -3556,8 +3912,66 @@
         </p:nvSpPr>
         <p:spPr>
           <a:xfrm>
-            <a:off x="7926641" y="3831996"/>
-            <a:ext cx="4126451" cy="923330"/>
+            <a:off x="8782777" y="2489142"/>
+            <a:ext cx="654327" cy="369332"/>
+          </a:xfrm>
+          <a:prstGeom prst="rect">
+            <a:avLst/>
+          </a:prstGeom>
+        </p:spPr>
+        <p:style>
+          <a:lnRef idx="2">
+            <a:schemeClr val="accent4"/>
+          </a:lnRef>
+          <a:fillRef idx="1">
+            <a:schemeClr val="lt1"/>
+          </a:fillRef>
+          <a:effectRef idx="0">
+            <a:schemeClr val="accent4"/>
+          </a:effectRef>
+          <a:fontRef idx="minor">
+            <a:schemeClr val="dk1"/>
+          </a:fontRef>
+        </p:style>
+        <p:txBody>
+          <a:bodyPr wrap="square">
+            <a:spAutoFit/>
+          </a:bodyPr>
+          <a:lstStyle/>
+          <a:p>
+            <a:r>
+              <a:rPr lang="en-US" altLang="ko-KR" dirty="0">
+                <a:solidFill>
+                  <a:srgbClr val="0000FF"/>
+                </a:solidFill>
+                <a:highlight>
+                  <a:srgbClr val="FFFFFF"/>
+                </a:highlight>
+                <a:latin typeface="돋움체" panose="020B0609000101010101" pitchFamily="49" charset="-127"/>
+                <a:ea typeface="돋움체" panose="020B0609000101010101" pitchFamily="49" charset="-127"/>
+              </a:rPr>
+              <a:t>bool</a:t>
+            </a:r>
+            <a:endParaRPr lang="ko-KR" altLang="en-US" dirty="0"/>
+          </a:p>
+        </p:txBody>
+      </p:sp>
+      <p:sp>
+        <p:nvSpPr>
+          <p:cNvPr id="11" name="TextBox 10">
+            <a:extLst>
+              <a:ext uri="{FF2B5EF4-FFF2-40B4-BE49-F238E27FC236}">
+                <a16:creationId xmlns:a16="http://schemas.microsoft.com/office/drawing/2014/main" id="{D328AA1C-9186-D6C2-802F-152CAEEAE55C}"/>
+              </a:ext>
+            </a:extLst>
+          </p:cNvPr>
+          <p:cNvSpPr txBox="1"/>
+          <p:nvPr/>
+        </p:nvSpPr>
+        <p:spPr>
+          <a:xfrm>
+            <a:off x="6388785" y="3402505"/>
+            <a:ext cx="749757" cy="1200329"/>
           </a:xfrm>
           <a:prstGeom prst="rect">
             <a:avLst/>
@@ -3571,54 +3985,35 @@
           <a:lstStyle/>
           <a:p>
             <a:r>
-              <a:rPr lang="ko-KR" altLang="en-US" dirty="0" err="1"/>
-              <a:t>리터럴</a:t>
-            </a:r>
-            <a:r>
-              <a:rPr lang="ko-KR" altLang="en-US" dirty="0"/>
-              <a:t> </a:t>
-            </a:r>
-            <a:r>
               <a:rPr lang="en-US" altLang="ko-KR" dirty="0"/>
-              <a:t>=&gt; </a:t>
-            </a:r>
-            <a:r>
-              <a:rPr lang="ko-KR" altLang="en-US" dirty="0" err="1"/>
-              <a:t>맴버</a:t>
-            </a:r>
-            <a:r>
-              <a:rPr lang="ko-KR" altLang="en-US" dirty="0"/>
-              <a:t> </a:t>
-            </a:r>
-            <a:r>
-              <a:rPr lang="ko-KR" altLang="en-US" dirty="0" err="1"/>
-              <a:t>이니셜라이저</a:t>
-            </a:r>
+              <a:t>Int</a:t>
+            </a:r>
+          </a:p>
+          <a:p>
             <a:r>
               <a:rPr lang="en-US" altLang="ko-KR" dirty="0"/>
-              <a:t>(</a:t>
-            </a:r>
-            <a:r>
-              <a:rPr lang="ko-KR" altLang="en-US" dirty="0"/>
-              <a:t>생성자</a:t>
-            </a:r>
+              <a:t>Bool</a:t>
+            </a:r>
+          </a:p>
+          <a:p>
             <a:r>
               <a:rPr lang="en-US" altLang="ko-KR" dirty="0"/>
-              <a:t>)</a:t>
-            </a:r>
-          </a:p>
-          <a:p>
-            <a:endParaRPr lang="en-US" altLang="ko-KR" dirty="0"/>
-          </a:p>
-          <a:p>
-            <a:endParaRPr lang="en-US" altLang="ko-KR" dirty="0"/>
+              <a:t>Short</a:t>
+            </a:r>
+          </a:p>
+          <a:p>
+            <a:r>
+              <a:rPr lang="en-US" altLang="ko-KR" dirty="0"/>
+              <a:t>bool</a:t>
+            </a:r>
+            <a:endParaRPr lang="ko-KR" altLang="en-US" dirty="0"/>
           </a:p>
         </p:txBody>
       </p:sp>
     </p:spTree>
     <p:extLst>
       <p:ext uri="{BB962C8B-B14F-4D97-AF65-F5344CB8AC3E}">
-        <p14:creationId xmlns:p14="http://schemas.microsoft.com/office/powerpoint/2010/main" val="2028419519"/>
+        <p14:creationId xmlns:p14="http://schemas.microsoft.com/office/powerpoint/2010/main" val="2327352"/>
       </p:ext>
     </p:extLst>
   </p:cSld>
@@ -3645,70 +4040,45 @@
           <a:chExt cx="0" cy="0"/>
         </a:xfrm>
       </p:grpSpPr>
-      <p:pic>
-        <p:nvPicPr>
-          <p:cNvPr id="3" name="그림 2">
-            <a:extLst>
-              <a:ext uri="{FF2B5EF4-FFF2-40B4-BE49-F238E27FC236}">
-                <a16:creationId xmlns:a16="http://schemas.microsoft.com/office/drawing/2014/main" id="{144FEA6A-62F6-899C-2FED-73BA5C307736}"/>
-              </a:ext>
-            </a:extLst>
-          </p:cNvPr>
-          <p:cNvPicPr>
-            <a:picLocks noChangeAspect="1"/>
-          </p:cNvPicPr>
+      <p:sp>
+        <p:nvSpPr>
+          <p:cNvPr id="2" name="TextBox 1">
+            <a:extLst>
+              <a:ext uri="{FF2B5EF4-FFF2-40B4-BE49-F238E27FC236}">
+                <a16:creationId xmlns:a16="http://schemas.microsoft.com/office/drawing/2014/main" id="{831ADEF2-87BD-1193-4787-F586A3FD813E}"/>
+              </a:ext>
+            </a:extLst>
+          </p:cNvPr>
+          <p:cNvSpPr txBox="1"/>
           <p:nvPr/>
-        </p:nvPicPr>
-        <p:blipFill>
-          <a:blip r:embed="rId2"/>
-          <a:stretch>
-            <a:fillRect/>
-          </a:stretch>
-        </p:blipFill>
-        <p:spPr>
-          <a:xfrm>
-            <a:off x="298821" y="327891"/>
-            <a:ext cx="10728803" cy="1214582"/>
+        </p:nvSpPr>
+        <p:spPr>
+          <a:xfrm>
+            <a:off x="738909" y="508000"/>
+            <a:ext cx="4899098" cy="861774"/>
           </a:xfrm>
           <a:prstGeom prst="rect">
             <a:avLst/>
           </a:prstGeom>
-        </p:spPr>
-      </p:pic>
-      <p:pic>
-        <p:nvPicPr>
-          <p:cNvPr id="5" name="그림 4">
-            <a:extLst>
-              <a:ext uri="{FF2B5EF4-FFF2-40B4-BE49-F238E27FC236}">
-                <a16:creationId xmlns:a16="http://schemas.microsoft.com/office/drawing/2014/main" id="{12E15E04-201F-E686-0E6F-06D35A7D4E20}"/>
-              </a:ext>
-            </a:extLst>
-          </p:cNvPr>
-          <p:cNvPicPr>
-            <a:picLocks noChangeAspect="1"/>
-          </p:cNvPicPr>
-          <p:nvPr/>
-        </p:nvPicPr>
-        <p:blipFill>
-          <a:blip r:embed="rId3"/>
-          <a:stretch>
-            <a:fillRect/>
-          </a:stretch>
-        </p:blipFill>
-        <p:spPr>
-          <a:xfrm>
-            <a:off x="298821" y="1890455"/>
-            <a:ext cx="3619033" cy="4547291"/>
-          </a:xfrm>
-          <a:prstGeom prst="rect">
-            <a:avLst/>
-          </a:prstGeom>
-        </p:spPr>
-      </p:pic>
+          <a:noFill/>
+        </p:spPr>
+        <p:txBody>
+          <a:bodyPr wrap="none" rtlCol="0">
+            <a:spAutoFit/>
+          </a:bodyPr>
+          <a:lstStyle/>
+          <a:p>
+            <a:r>
+              <a:rPr lang="ko-KR" altLang="en-US" sz="5000" dirty="0"/>
+              <a:t>접근제한 지정자</a:t>
+            </a:r>
+          </a:p>
+        </p:txBody>
+      </p:sp>
     </p:spTree>
     <p:extLst>
       <p:ext uri="{BB962C8B-B14F-4D97-AF65-F5344CB8AC3E}">
-        <p14:creationId xmlns:p14="http://schemas.microsoft.com/office/powerpoint/2010/main" val="904378354"/>
+        <p14:creationId xmlns:p14="http://schemas.microsoft.com/office/powerpoint/2010/main" val="1692549487"/>
       </p:ext>
     </p:extLst>
   </p:cSld>
@@ -3740,7 +4110,7 @@
           <p:cNvPr id="3" name="그림 2">
             <a:extLst>
               <a:ext uri="{FF2B5EF4-FFF2-40B4-BE49-F238E27FC236}">
-                <a16:creationId xmlns:a16="http://schemas.microsoft.com/office/drawing/2014/main" id="{2A17F139-DAAE-40C1-DA38-485F59681D37}"/>
+                <a16:creationId xmlns:a16="http://schemas.microsoft.com/office/drawing/2014/main" id="{51422CB9-6E94-7261-EF48-0A38A2B18470}"/>
               </a:ext>
             </a:extLst>
           </p:cNvPr>
@@ -3757,38 +4127,8 @@
         </p:blipFill>
         <p:spPr>
           <a:xfrm>
-            <a:off x="-6700311" y="203802"/>
-            <a:ext cx="18395705" cy="1445134"/>
-          </a:xfrm>
-          <a:prstGeom prst="rect">
-            <a:avLst/>
-          </a:prstGeom>
-        </p:spPr>
-      </p:pic>
-      <p:pic>
-        <p:nvPicPr>
-          <p:cNvPr id="5" name="그림 4">
-            <a:extLst>
-              <a:ext uri="{FF2B5EF4-FFF2-40B4-BE49-F238E27FC236}">
-                <a16:creationId xmlns:a16="http://schemas.microsoft.com/office/drawing/2014/main" id="{A154F897-C382-0FFA-08F9-475E38DAB4B3}"/>
-              </a:ext>
-            </a:extLst>
-          </p:cNvPr>
-          <p:cNvPicPr>
-            <a:picLocks noChangeAspect="1"/>
-          </p:cNvPicPr>
-          <p:nvPr/>
-        </p:nvPicPr>
-        <p:blipFill>
-          <a:blip r:embed="rId3"/>
-          <a:stretch>
-            <a:fillRect/>
-          </a:stretch>
-        </p:blipFill>
-        <p:spPr>
-          <a:xfrm>
-            <a:off x="472060" y="1960021"/>
-            <a:ext cx="9030960" cy="3867690"/>
+            <a:off x="593308" y="428206"/>
+            <a:ext cx="8049748" cy="6001588"/>
           </a:xfrm>
           <a:prstGeom prst="rect">
             <a:avLst/>
@@ -3798,7 +4138,7 @@
     </p:spTree>
     <p:extLst>
       <p:ext uri="{BB962C8B-B14F-4D97-AF65-F5344CB8AC3E}">
-        <p14:creationId xmlns:p14="http://schemas.microsoft.com/office/powerpoint/2010/main" val="2705525739"/>
+        <p14:creationId xmlns:p14="http://schemas.microsoft.com/office/powerpoint/2010/main" val="3404656738"/>
       </p:ext>
     </p:extLst>
   </p:cSld>
@@ -3830,7 +4170,7 @@
           <p:cNvPr id="3" name="그림 2">
             <a:extLst>
               <a:ext uri="{FF2B5EF4-FFF2-40B4-BE49-F238E27FC236}">
-                <a16:creationId xmlns:a16="http://schemas.microsoft.com/office/drawing/2014/main" id="{EC6F9C82-2D44-AAFC-E185-1281C273160B}"/>
+                <a16:creationId xmlns:a16="http://schemas.microsoft.com/office/drawing/2014/main" id="{BE09CB62-B757-D6D6-EE33-EF298BB9AC7A}"/>
               </a:ext>
             </a:extLst>
           </p:cNvPr>
@@ -3847,8 +4187,8 @@
         </p:blipFill>
         <p:spPr>
           <a:xfrm>
-            <a:off x="1050857" y="1218831"/>
-            <a:ext cx="9240540" cy="2505425"/>
+            <a:off x="511260" y="391451"/>
+            <a:ext cx="7068536" cy="2686425"/>
           </a:xfrm>
           <a:prstGeom prst="rect">
             <a:avLst/>
@@ -3860,7 +4200,7 @@
           <p:cNvPr id="4" name="TextBox 3">
             <a:extLst>
               <a:ext uri="{FF2B5EF4-FFF2-40B4-BE49-F238E27FC236}">
-                <a16:creationId xmlns:a16="http://schemas.microsoft.com/office/drawing/2014/main" id="{28218DCE-10B2-C1ED-8E1F-E806EE50B556}"/>
+                <a16:creationId xmlns:a16="http://schemas.microsoft.com/office/drawing/2014/main" id="{8F6EBB35-35E6-CE3B-C9A3-7333B38A880A}"/>
               </a:ext>
             </a:extLst>
           </p:cNvPr>
@@ -3869,8 +4209,8 @@
         </p:nvSpPr>
         <p:spPr>
           <a:xfrm>
-            <a:off x="1151768" y="4386456"/>
-            <a:ext cx="8295861" cy="369332"/>
+            <a:off x="7995913" y="391451"/>
+            <a:ext cx="3482043" cy="923330"/>
           </a:xfrm>
           <a:prstGeom prst="rect">
             <a:avLst/>
@@ -3884,25 +4224,125 @@
           <a:lstStyle/>
           <a:p>
             <a:r>
+              <a:rPr lang="ko-KR" altLang="en-US" dirty="0"/>
+              <a:t>클래스의 초기화 방식에는</a:t>
+            </a:r>
+            <a:endParaRPr lang="en-US" altLang="ko-KR" dirty="0"/>
+          </a:p>
+          <a:p>
+            <a:endParaRPr lang="en-US" altLang="ko-KR" dirty="0"/>
+          </a:p>
+          <a:p>
+            <a:r>
+              <a:rPr lang="ko-KR" altLang="en-US" dirty="0"/>
+              <a:t>다음의 두가지 방식이 존재한다</a:t>
+            </a:r>
+            <a:r>
+              <a:rPr lang="en-US" altLang="ko-KR" dirty="0"/>
+              <a:t>.</a:t>
+            </a:r>
+          </a:p>
+        </p:txBody>
+      </p:sp>
+      <p:pic>
+        <p:nvPicPr>
+          <p:cNvPr id="6" name="그림 5">
+            <a:extLst>
+              <a:ext uri="{FF2B5EF4-FFF2-40B4-BE49-F238E27FC236}">
+                <a16:creationId xmlns:a16="http://schemas.microsoft.com/office/drawing/2014/main" id="{F34230A3-CAF0-A3E3-CB83-F3229978E512}"/>
+              </a:ext>
+            </a:extLst>
+          </p:cNvPr>
+          <p:cNvPicPr>
+            <a:picLocks noChangeAspect="1"/>
+          </p:cNvPicPr>
+          <p:nvPr/>
+        </p:nvPicPr>
+        <p:blipFill>
+          <a:blip r:embed="rId3"/>
+          <a:stretch>
+            <a:fillRect/>
+          </a:stretch>
+        </p:blipFill>
+        <p:spPr>
+          <a:xfrm>
+            <a:off x="648977" y="3998460"/>
+            <a:ext cx="6516009" cy="2333951"/>
+          </a:xfrm>
+          <a:prstGeom prst="rect">
+            <a:avLst/>
+          </a:prstGeom>
+        </p:spPr>
+      </p:pic>
+      <p:sp>
+        <p:nvSpPr>
+          <p:cNvPr id="8" name="TextBox 7">
+            <a:extLst>
+              <a:ext uri="{FF2B5EF4-FFF2-40B4-BE49-F238E27FC236}">
+                <a16:creationId xmlns:a16="http://schemas.microsoft.com/office/drawing/2014/main" id="{87C033E4-1171-2B58-9675-DB6EF769B106}"/>
+              </a:ext>
+            </a:extLst>
+          </p:cNvPr>
+          <p:cNvSpPr txBox="1"/>
+          <p:nvPr/>
+        </p:nvSpPr>
+        <p:spPr>
+          <a:xfrm>
+            <a:off x="7926641" y="3831996"/>
+            <a:ext cx="4126451" cy="923330"/>
+          </a:xfrm>
+          <a:prstGeom prst="rect">
+            <a:avLst/>
+          </a:prstGeom>
+          <a:noFill/>
+        </p:spPr>
+        <p:txBody>
+          <a:bodyPr wrap="none" rtlCol="0">
+            <a:spAutoFit/>
+          </a:bodyPr>
+          <a:lstStyle/>
+          <a:p>
+            <a:r>
+              <a:rPr lang="ko-KR" altLang="en-US" dirty="0" err="1"/>
+              <a:t>리터럴</a:t>
+            </a:r>
+            <a:r>
+              <a:rPr lang="ko-KR" altLang="en-US" dirty="0"/>
+              <a:t> </a:t>
+            </a:r>
+            <a:r>
+              <a:rPr lang="en-US" altLang="ko-KR" dirty="0"/>
+              <a:t>=&gt; </a:t>
+            </a:r>
+            <a:r>
+              <a:rPr lang="ko-KR" altLang="en-US" dirty="0" err="1"/>
+              <a:t>맴버</a:t>
+            </a:r>
+            <a:r>
+              <a:rPr lang="ko-KR" altLang="en-US" dirty="0"/>
+              <a:t> </a:t>
+            </a:r>
+            <a:r>
+              <a:rPr lang="ko-KR" altLang="en-US" dirty="0" err="1"/>
+              <a:t>이니셜라이저</a:t>
+            </a:r>
+            <a:r>
               <a:rPr lang="en-US" altLang="ko-KR" dirty="0"/>
               <a:t>(</a:t>
             </a:r>
             <a:r>
               <a:rPr lang="ko-KR" altLang="en-US" dirty="0"/>
-              <a:t>지웠다가 다시 쳐보면 어떤 함수들이 오버로딩 되어있는지 </a:t>
-            </a:r>
-            <a:r>
-              <a:rPr lang="ko-KR" altLang="en-US" err="1"/>
-              <a:t>확인할수</a:t>
-            </a:r>
-            <a:r>
-              <a:rPr lang="ko-KR" altLang="en-US"/>
-              <a:t> 있습니다</a:t>
-            </a:r>
-            <a:r>
-              <a:rPr lang="en-US" altLang="ko-KR"/>
-              <a:t>.</a:t>
-            </a:r>
+              <a:t>생성자</a:t>
+            </a:r>
+            <a:r>
+              <a:rPr lang="en-US" altLang="ko-KR" dirty="0"/>
+              <a:t>)</a:t>
+            </a:r>
+          </a:p>
+          <a:p>
+            <a:endParaRPr lang="en-US" altLang="ko-KR" dirty="0"/>
+          </a:p>
+          <a:p>
             <a:endParaRPr lang="en-US" altLang="ko-KR" dirty="0"/>
           </a:p>
         </p:txBody>
@@ -3910,7 +4350,7 @@
     </p:spTree>
     <p:extLst>
       <p:ext uri="{BB962C8B-B14F-4D97-AF65-F5344CB8AC3E}">
-        <p14:creationId xmlns:p14="http://schemas.microsoft.com/office/powerpoint/2010/main" val="3376670270"/>
+        <p14:creationId xmlns:p14="http://schemas.microsoft.com/office/powerpoint/2010/main" val="2028419519"/>
       </p:ext>
     </p:extLst>
   </p:cSld>
@@ -3937,10 +4377,70 @@
           <a:chExt cx="0" cy="0"/>
         </a:xfrm>
       </p:grpSpPr>
+      <p:pic>
+        <p:nvPicPr>
+          <p:cNvPr id="3" name="그림 2">
+            <a:extLst>
+              <a:ext uri="{FF2B5EF4-FFF2-40B4-BE49-F238E27FC236}">
+                <a16:creationId xmlns:a16="http://schemas.microsoft.com/office/drawing/2014/main" id="{144FEA6A-62F6-899C-2FED-73BA5C307736}"/>
+              </a:ext>
+            </a:extLst>
+          </p:cNvPr>
+          <p:cNvPicPr>
+            <a:picLocks noChangeAspect="1"/>
+          </p:cNvPicPr>
+          <p:nvPr/>
+        </p:nvPicPr>
+        <p:blipFill>
+          <a:blip r:embed="rId2"/>
+          <a:stretch>
+            <a:fillRect/>
+          </a:stretch>
+        </p:blipFill>
+        <p:spPr>
+          <a:xfrm>
+            <a:off x="298821" y="327891"/>
+            <a:ext cx="10728803" cy="1214582"/>
+          </a:xfrm>
+          <a:prstGeom prst="rect">
+            <a:avLst/>
+          </a:prstGeom>
+        </p:spPr>
+      </p:pic>
+      <p:pic>
+        <p:nvPicPr>
+          <p:cNvPr id="5" name="그림 4">
+            <a:extLst>
+              <a:ext uri="{FF2B5EF4-FFF2-40B4-BE49-F238E27FC236}">
+                <a16:creationId xmlns:a16="http://schemas.microsoft.com/office/drawing/2014/main" id="{12E15E04-201F-E686-0E6F-06D35A7D4E20}"/>
+              </a:ext>
+            </a:extLst>
+          </p:cNvPr>
+          <p:cNvPicPr>
+            <a:picLocks noChangeAspect="1"/>
+          </p:cNvPicPr>
+          <p:nvPr/>
+        </p:nvPicPr>
+        <p:blipFill>
+          <a:blip r:embed="rId3"/>
+          <a:stretch>
+            <a:fillRect/>
+          </a:stretch>
+        </p:blipFill>
+        <p:spPr>
+          <a:xfrm>
+            <a:off x="298821" y="1890455"/>
+            <a:ext cx="3619033" cy="4547291"/>
+          </a:xfrm>
+          <a:prstGeom prst="rect">
+            <a:avLst/>
+          </a:prstGeom>
+        </p:spPr>
+      </p:pic>
     </p:spTree>
     <p:extLst>
       <p:ext uri="{BB962C8B-B14F-4D97-AF65-F5344CB8AC3E}">
-        <p14:creationId xmlns:p14="http://schemas.microsoft.com/office/powerpoint/2010/main" val="3963186401"/>
+        <p14:creationId xmlns:p14="http://schemas.microsoft.com/office/powerpoint/2010/main" val="904378354"/>
       </p:ext>
     </p:extLst>
   </p:cSld>
@@ -3967,10 +4467,70 @@
           <a:chExt cx="0" cy="0"/>
         </a:xfrm>
       </p:grpSpPr>
+      <p:pic>
+        <p:nvPicPr>
+          <p:cNvPr id="3" name="그림 2">
+            <a:extLst>
+              <a:ext uri="{FF2B5EF4-FFF2-40B4-BE49-F238E27FC236}">
+                <a16:creationId xmlns:a16="http://schemas.microsoft.com/office/drawing/2014/main" id="{2A17F139-DAAE-40C1-DA38-485F59681D37}"/>
+              </a:ext>
+            </a:extLst>
+          </p:cNvPr>
+          <p:cNvPicPr>
+            <a:picLocks noChangeAspect="1"/>
+          </p:cNvPicPr>
+          <p:nvPr/>
+        </p:nvPicPr>
+        <p:blipFill>
+          <a:blip r:embed="rId2"/>
+          <a:stretch>
+            <a:fillRect/>
+          </a:stretch>
+        </p:blipFill>
+        <p:spPr>
+          <a:xfrm>
+            <a:off x="-6700311" y="203802"/>
+            <a:ext cx="18395705" cy="1445134"/>
+          </a:xfrm>
+          <a:prstGeom prst="rect">
+            <a:avLst/>
+          </a:prstGeom>
+        </p:spPr>
+      </p:pic>
+      <p:pic>
+        <p:nvPicPr>
+          <p:cNvPr id="5" name="그림 4">
+            <a:extLst>
+              <a:ext uri="{FF2B5EF4-FFF2-40B4-BE49-F238E27FC236}">
+                <a16:creationId xmlns:a16="http://schemas.microsoft.com/office/drawing/2014/main" id="{A154F897-C382-0FFA-08F9-475E38DAB4B3}"/>
+              </a:ext>
+            </a:extLst>
+          </p:cNvPr>
+          <p:cNvPicPr>
+            <a:picLocks noChangeAspect="1"/>
+          </p:cNvPicPr>
+          <p:nvPr/>
+        </p:nvPicPr>
+        <p:blipFill>
+          <a:blip r:embed="rId3"/>
+          <a:stretch>
+            <a:fillRect/>
+          </a:stretch>
+        </p:blipFill>
+        <p:spPr>
+          <a:xfrm>
+            <a:off x="472060" y="1960021"/>
+            <a:ext cx="9030960" cy="3867690"/>
+          </a:xfrm>
+          <a:prstGeom prst="rect">
+            <a:avLst/>
+          </a:prstGeom>
+        </p:spPr>
+      </p:pic>
     </p:spTree>
     <p:extLst>
       <p:ext uri="{BB962C8B-B14F-4D97-AF65-F5344CB8AC3E}">
-        <p14:creationId xmlns:p14="http://schemas.microsoft.com/office/powerpoint/2010/main" val="3219432478"/>
+        <p14:creationId xmlns:p14="http://schemas.microsoft.com/office/powerpoint/2010/main" val="2705525739"/>
       </p:ext>
     </p:extLst>
   </p:cSld>
@@ -3997,10 +4557,91 @@
           <a:chExt cx="0" cy="0"/>
         </a:xfrm>
       </p:grpSpPr>
+      <p:pic>
+        <p:nvPicPr>
+          <p:cNvPr id="3" name="그림 2">
+            <a:extLst>
+              <a:ext uri="{FF2B5EF4-FFF2-40B4-BE49-F238E27FC236}">
+                <a16:creationId xmlns:a16="http://schemas.microsoft.com/office/drawing/2014/main" id="{EC6F9C82-2D44-AAFC-E185-1281C273160B}"/>
+              </a:ext>
+            </a:extLst>
+          </p:cNvPr>
+          <p:cNvPicPr>
+            <a:picLocks noChangeAspect="1"/>
+          </p:cNvPicPr>
+          <p:nvPr/>
+        </p:nvPicPr>
+        <p:blipFill>
+          <a:blip r:embed="rId2"/>
+          <a:stretch>
+            <a:fillRect/>
+          </a:stretch>
+        </p:blipFill>
+        <p:spPr>
+          <a:xfrm>
+            <a:off x="1050857" y="1218831"/>
+            <a:ext cx="9240540" cy="2505425"/>
+          </a:xfrm>
+          <a:prstGeom prst="rect">
+            <a:avLst/>
+          </a:prstGeom>
+        </p:spPr>
+      </p:pic>
+      <p:sp>
+        <p:nvSpPr>
+          <p:cNvPr id="4" name="TextBox 3">
+            <a:extLst>
+              <a:ext uri="{FF2B5EF4-FFF2-40B4-BE49-F238E27FC236}">
+                <a16:creationId xmlns:a16="http://schemas.microsoft.com/office/drawing/2014/main" id="{28218DCE-10B2-C1ED-8E1F-E806EE50B556}"/>
+              </a:ext>
+            </a:extLst>
+          </p:cNvPr>
+          <p:cNvSpPr txBox="1"/>
+          <p:nvPr/>
+        </p:nvSpPr>
+        <p:spPr>
+          <a:xfrm>
+            <a:off x="1151768" y="4386456"/>
+            <a:ext cx="8295861" cy="369332"/>
+          </a:xfrm>
+          <a:prstGeom prst="rect">
+            <a:avLst/>
+          </a:prstGeom>
+          <a:noFill/>
+        </p:spPr>
+        <p:txBody>
+          <a:bodyPr wrap="none" rtlCol="0">
+            <a:spAutoFit/>
+          </a:bodyPr>
+          <a:lstStyle/>
+          <a:p>
+            <a:r>
+              <a:rPr lang="en-US" altLang="ko-KR" dirty="0"/>
+              <a:t>(</a:t>
+            </a:r>
+            <a:r>
+              <a:rPr lang="ko-KR" altLang="en-US" dirty="0"/>
+              <a:t>지웠다가 다시 쳐보면 어떤 함수들이 오버로딩 되어있는지 </a:t>
+            </a:r>
+            <a:r>
+              <a:rPr lang="ko-KR" altLang="en-US" dirty="0" err="1"/>
+              <a:t>확인할수</a:t>
+            </a:r>
+            <a:r>
+              <a:rPr lang="ko-KR" altLang="en-US" dirty="0"/>
+              <a:t> 있습니다</a:t>
+            </a:r>
+            <a:r>
+              <a:rPr lang="en-US" altLang="ko-KR" dirty="0"/>
+              <a:t>.</a:t>
+            </a:r>
+          </a:p>
+        </p:txBody>
+      </p:sp>
     </p:spTree>
     <p:extLst>
       <p:ext uri="{BB962C8B-B14F-4D97-AF65-F5344CB8AC3E}">
-        <p14:creationId xmlns:p14="http://schemas.microsoft.com/office/powerpoint/2010/main" val="3574682414"/>
+        <p14:creationId xmlns:p14="http://schemas.microsoft.com/office/powerpoint/2010/main" val="3376670270"/>
       </p:ext>
     </p:extLst>
   </p:cSld>
@@ -4027,6 +4668,1173 @@
           <a:chExt cx="0" cy="0"/>
         </a:xfrm>
       </p:grpSpPr>
+      <p:sp>
+        <p:nvSpPr>
+          <p:cNvPr id="2" name="TextBox 1">
+            <a:extLst>
+              <a:ext uri="{FF2B5EF4-FFF2-40B4-BE49-F238E27FC236}">
+                <a16:creationId xmlns:a16="http://schemas.microsoft.com/office/drawing/2014/main" id="{831ADEF2-87BD-1193-4787-F586A3FD813E}"/>
+              </a:ext>
+            </a:extLst>
+          </p:cNvPr>
+          <p:cNvSpPr txBox="1"/>
+          <p:nvPr/>
+        </p:nvSpPr>
+        <p:spPr>
+          <a:xfrm>
+            <a:off x="738909" y="508000"/>
+            <a:ext cx="4604146" cy="861774"/>
+          </a:xfrm>
+          <a:prstGeom prst="rect">
+            <a:avLst/>
+          </a:prstGeom>
+          <a:noFill/>
+        </p:spPr>
+        <p:txBody>
+          <a:bodyPr wrap="none" rtlCol="0">
+            <a:spAutoFit/>
+          </a:bodyPr>
+          <a:lstStyle/>
+          <a:p>
+            <a:r>
+              <a:rPr lang="en-US" altLang="ko-KR" sz="5000" dirty="0"/>
+              <a:t>This =&gt; </a:t>
+            </a:r>
+            <a:r>
+              <a:rPr lang="ko-KR" altLang="en-US" sz="5000" dirty="0" err="1"/>
+              <a:t>초중요</a:t>
+            </a:r>
+            <a:endParaRPr lang="ko-KR" altLang="en-US" sz="5000" dirty="0"/>
+          </a:p>
+        </p:txBody>
+      </p:sp>
+    </p:spTree>
+    <p:extLst>
+      <p:ext uri="{BB962C8B-B14F-4D97-AF65-F5344CB8AC3E}">
+        <p14:creationId xmlns:p14="http://schemas.microsoft.com/office/powerpoint/2010/main" val="1616517102"/>
+      </p:ext>
+    </p:extLst>
+  </p:cSld>
+  <p:clrMapOvr>
+    <a:masterClrMapping/>
+  </p:clrMapOvr>
+</p:sld>
+</file>
+
+<file path=ppt/slides/slide18.xml><?xml version="1.0" encoding="utf-8"?>
+<p:sld xmlns:a="http://schemas.openxmlformats.org/drawingml/2006/main" xmlns:r="http://schemas.openxmlformats.org/officeDocument/2006/relationships" xmlns:p="http://schemas.openxmlformats.org/presentationml/2006/main">
+  <p:cSld>
+    <p:spTree>
+      <p:nvGrpSpPr>
+        <p:cNvPr id="1" name=""/>
+        <p:cNvGrpSpPr/>
+        <p:nvPr/>
+      </p:nvGrpSpPr>
+      <p:grpSpPr>
+        <a:xfrm>
+          <a:off x="0" y="0"/>
+          <a:ext cx="0" cy="0"/>
+          <a:chOff x="0" y="0"/>
+          <a:chExt cx="0" cy="0"/>
+        </a:xfrm>
+      </p:grpSpPr>
+      <p:pic>
+        <p:nvPicPr>
+          <p:cNvPr id="9" name="그림 8">
+            <a:extLst>
+              <a:ext uri="{FF2B5EF4-FFF2-40B4-BE49-F238E27FC236}">
+                <a16:creationId xmlns:a16="http://schemas.microsoft.com/office/drawing/2014/main" id="{DE9565CC-0477-EFC8-67CC-117C309F6288}"/>
+              </a:ext>
+            </a:extLst>
+          </p:cNvPr>
+          <p:cNvPicPr>
+            <a:picLocks noChangeAspect="1"/>
+          </p:cNvPicPr>
+          <p:nvPr/>
+        </p:nvPicPr>
+        <p:blipFill>
+          <a:blip r:embed="rId2"/>
+          <a:stretch>
+            <a:fillRect/>
+          </a:stretch>
+        </p:blipFill>
+        <p:spPr>
+          <a:xfrm>
+            <a:off x="627887" y="852128"/>
+            <a:ext cx="5468113" cy="5153744"/>
+          </a:xfrm>
+          <a:prstGeom prst="rect">
+            <a:avLst/>
+          </a:prstGeom>
+        </p:spPr>
+      </p:pic>
+      <p:pic>
+        <p:nvPicPr>
+          <p:cNvPr id="11" name="그림 10">
+            <a:extLst>
+              <a:ext uri="{FF2B5EF4-FFF2-40B4-BE49-F238E27FC236}">
+                <a16:creationId xmlns:a16="http://schemas.microsoft.com/office/drawing/2014/main" id="{7BD56BED-A7D2-EDA6-33E2-8301391B93F1}"/>
+              </a:ext>
+            </a:extLst>
+          </p:cNvPr>
+          <p:cNvPicPr>
+            <a:picLocks noChangeAspect="1"/>
+          </p:cNvPicPr>
+          <p:nvPr/>
+        </p:nvPicPr>
+        <p:blipFill>
+          <a:blip r:embed="rId3"/>
+          <a:stretch>
+            <a:fillRect/>
+          </a:stretch>
+        </p:blipFill>
+        <p:spPr>
+          <a:xfrm>
+            <a:off x="6611361" y="1141897"/>
+            <a:ext cx="6192114" cy="3410426"/>
+          </a:xfrm>
+          <a:prstGeom prst="rect">
+            <a:avLst/>
+          </a:prstGeom>
+        </p:spPr>
+      </p:pic>
+    </p:spTree>
+    <p:extLst>
+      <p:ext uri="{BB962C8B-B14F-4D97-AF65-F5344CB8AC3E}">
+        <p14:creationId xmlns:p14="http://schemas.microsoft.com/office/powerpoint/2010/main" val="3963186401"/>
+      </p:ext>
+    </p:extLst>
+  </p:cSld>
+  <p:clrMapOvr>
+    <a:masterClrMapping/>
+  </p:clrMapOvr>
+</p:sld>
+</file>
+
+<file path=ppt/slides/slide19.xml><?xml version="1.0" encoding="utf-8"?>
+<p:sld xmlns:a="http://schemas.openxmlformats.org/drawingml/2006/main" xmlns:r="http://schemas.openxmlformats.org/officeDocument/2006/relationships" xmlns:p="http://schemas.openxmlformats.org/presentationml/2006/main">
+  <p:cSld>
+    <p:spTree>
+      <p:nvGrpSpPr>
+        <p:cNvPr id="1" name=""/>
+        <p:cNvGrpSpPr/>
+        <p:nvPr/>
+      </p:nvGrpSpPr>
+      <p:grpSpPr>
+        <a:xfrm>
+          <a:off x="0" y="0"/>
+          <a:ext cx="0" cy="0"/>
+          <a:chOff x="0" y="0"/>
+          <a:chExt cx="0" cy="0"/>
+        </a:xfrm>
+      </p:grpSpPr>
+      <p:sp>
+        <p:nvSpPr>
+          <p:cNvPr id="2" name="직사각형 1">
+            <a:extLst>
+              <a:ext uri="{FF2B5EF4-FFF2-40B4-BE49-F238E27FC236}">
+                <a16:creationId xmlns:a16="http://schemas.microsoft.com/office/drawing/2014/main" id="{B0F56078-A79E-2F30-AA04-98D21C2DF364}"/>
+              </a:ext>
+            </a:extLst>
+          </p:cNvPr>
+          <p:cNvSpPr/>
+          <p:nvPr/>
+        </p:nvSpPr>
+        <p:spPr>
+          <a:xfrm>
+            <a:off x="695890" y="1887837"/>
+            <a:ext cx="11333619" cy="4435804"/>
+          </a:xfrm>
+          <a:prstGeom prst="rect">
+            <a:avLst/>
+          </a:prstGeom>
+        </p:spPr>
+        <p:style>
+          <a:lnRef idx="2">
+            <a:schemeClr val="accent1">
+              <a:shade val="15000"/>
+            </a:schemeClr>
+          </a:lnRef>
+          <a:fillRef idx="1">
+            <a:schemeClr val="accent1"/>
+          </a:fillRef>
+          <a:effectRef idx="0">
+            <a:schemeClr val="accent1"/>
+          </a:effectRef>
+          <a:fontRef idx="minor">
+            <a:schemeClr val="lt1"/>
+          </a:fontRef>
+        </p:style>
+        <p:txBody>
+          <a:bodyPr rtlCol="0" anchor="ctr"/>
+          <a:lstStyle/>
+          <a:p>
+            <a:pPr algn="ctr"/>
+            <a:r>
+              <a:rPr lang="ko-KR" altLang="en-US" dirty="0"/>
+              <a:t>함수 스택</a:t>
+            </a:r>
+          </a:p>
+        </p:txBody>
+      </p:sp>
+      <p:sp>
+        <p:nvSpPr>
+          <p:cNvPr id="3" name="직사각형 2">
+            <a:extLst>
+              <a:ext uri="{FF2B5EF4-FFF2-40B4-BE49-F238E27FC236}">
+                <a16:creationId xmlns:a16="http://schemas.microsoft.com/office/drawing/2014/main" id="{919809DB-E12E-8851-AF46-F93D901DD295}"/>
+              </a:ext>
+            </a:extLst>
+          </p:cNvPr>
+          <p:cNvSpPr/>
+          <p:nvPr/>
+        </p:nvSpPr>
+        <p:spPr>
+          <a:xfrm>
+            <a:off x="695890" y="4934111"/>
+            <a:ext cx="11333619" cy="1389529"/>
+          </a:xfrm>
+          <a:prstGeom prst="rect">
+            <a:avLst/>
+          </a:prstGeom>
+        </p:spPr>
+        <p:style>
+          <a:lnRef idx="2">
+            <a:schemeClr val="accent5">
+              <a:shade val="15000"/>
+            </a:schemeClr>
+          </a:lnRef>
+          <a:fillRef idx="1">
+            <a:schemeClr val="accent5"/>
+          </a:fillRef>
+          <a:effectRef idx="0">
+            <a:schemeClr val="accent5"/>
+          </a:effectRef>
+          <a:fontRef idx="minor">
+            <a:schemeClr val="lt1"/>
+          </a:fontRef>
+        </p:style>
+        <p:txBody>
+          <a:bodyPr rtlCol="0" anchor="ctr"/>
+          <a:lstStyle/>
+          <a:p>
+            <a:pPr algn="ctr"/>
+            <a:r>
+              <a:rPr lang="en-US" altLang="ko-KR" dirty="0"/>
+              <a:t>Main</a:t>
+            </a:r>
+            <a:endParaRPr lang="ko-KR" altLang="en-US" dirty="0"/>
+          </a:p>
+        </p:txBody>
+      </p:sp>
+      <p:sp>
+        <p:nvSpPr>
+          <p:cNvPr id="4" name="직사각형 3">
+            <a:extLst>
+              <a:ext uri="{FF2B5EF4-FFF2-40B4-BE49-F238E27FC236}">
+                <a16:creationId xmlns:a16="http://schemas.microsoft.com/office/drawing/2014/main" id="{84F3B001-54F0-7AD8-43B0-9437CCC3FFF2}"/>
+              </a:ext>
+            </a:extLst>
+          </p:cNvPr>
+          <p:cNvSpPr/>
+          <p:nvPr/>
+        </p:nvSpPr>
+        <p:spPr>
+          <a:xfrm>
+            <a:off x="695890" y="3576798"/>
+            <a:ext cx="11333619" cy="1389529"/>
+          </a:xfrm>
+          <a:prstGeom prst="rect">
+            <a:avLst/>
+          </a:prstGeom>
+        </p:spPr>
+        <p:style>
+          <a:lnRef idx="2">
+            <a:schemeClr val="accent4">
+              <a:shade val="15000"/>
+            </a:schemeClr>
+          </a:lnRef>
+          <a:fillRef idx="1">
+            <a:schemeClr val="accent4"/>
+          </a:fillRef>
+          <a:effectRef idx="0">
+            <a:schemeClr val="accent4"/>
+          </a:effectRef>
+          <a:fontRef idx="minor">
+            <a:schemeClr val="lt1"/>
+          </a:fontRef>
+        </p:style>
+        <p:txBody>
+          <a:bodyPr rtlCol="0" anchor="ctr"/>
+          <a:lstStyle/>
+          <a:p>
+            <a:pPr algn="ctr"/>
+            <a:r>
+              <a:rPr lang="en-US" altLang="ko-KR" dirty="0" err="1"/>
+              <a:t>ReturnValue</a:t>
+            </a:r>
+            <a:endParaRPr lang="ko-KR" altLang="en-US" dirty="0"/>
+          </a:p>
+        </p:txBody>
+      </p:sp>
+      <p:sp>
+        <p:nvSpPr>
+          <p:cNvPr id="5" name="직사각형 4">
+            <a:extLst>
+              <a:ext uri="{FF2B5EF4-FFF2-40B4-BE49-F238E27FC236}">
+                <a16:creationId xmlns:a16="http://schemas.microsoft.com/office/drawing/2014/main" id="{0D3F4BA1-C69F-9EF7-084F-BA334B15EB19}"/>
+              </a:ext>
+            </a:extLst>
+          </p:cNvPr>
+          <p:cNvSpPr/>
+          <p:nvPr/>
+        </p:nvSpPr>
+        <p:spPr>
+          <a:xfrm>
+            <a:off x="1197562" y="5789280"/>
+            <a:ext cx="4292601" cy="534360"/>
+          </a:xfrm>
+          <a:prstGeom prst="rect">
+            <a:avLst/>
+          </a:prstGeom>
+        </p:spPr>
+        <p:style>
+          <a:lnRef idx="2">
+            <a:schemeClr val="accent1">
+              <a:shade val="15000"/>
+            </a:schemeClr>
+          </a:lnRef>
+          <a:fillRef idx="1">
+            <a:schemeClr val="accent1"/>
+          </a:fillRef>
+          <a:effectRef idx="0">
+            <a:schemeClr val="accent1"/>
+          </a:effectRef>
+          <a:fontRef idx="minor">
+            <a:schemeClr val="lt1"/>
+          </a:fontRef>
+        </p:style>
+        <p:txBody>
+          <a:bodyPr rtlCol="0" anchor="ctr"/>
+          <a:lstStyle/>
+          <a:p>
+            <a:pPr algn="ctr"/>
+            <a:r>
+              <a:rPr lang="en-US" altLang="ko-KR" dirty="0"/>
+              <a:t>NewPlayer0</a:t>
+            </a:r>
+            <a:endParaRPr lang="ko-KR" altLang="en-US" dirty="0"/>
+          </a:p>
+        </p:txBody>
+      </p:sp>
+      <p:sp>
+        <p:nvSpPr>
+          <p:cNvPr id="8" name="직사각형 7">
+            <a:extLst>
+              <a:ext uri="{FF2B5EF4-FFF2-40B4-BE49-F238E27FC236}">
+                <a16:creationId xmlns:a16="http://schemas.microsoft.com/office/drawing/2014/main" id="{3EE822C0-7CC2-1602-C55D-07637F1DA586}"/>
+              </a:ext>
+            </a:extLst>
+          </p:cNvPr>
+          <p:cNvSpPr/>
+          <p:nvPr/>
+        </p:nvSpPr>
+        <p:spPr>
+          <a:xfrm>
+            <a:off x="5755708" y="5789280"/>
+            <a:ext cx="4292601" cy="534360"/>
+          </a:xfrm>
+          <a:prstGeom prst="rect">
+            <a:avLst/>
+          </a:prstGeom>
+        </p:spPr>
+        <p:style>
+          <a:lnRef idx="2">
+            <a:schemeClr val="accent1">
+              <a:shade val="15000"/>
+            </a:schemeClr>
+          </a:lnRef>
+          <a:fillRef idx="1">
+            <a:schemeClr val="accent1"/>
+          </a:fillRef>
+          <a:effectRef idx="0">
+            <a:schemeClr val="accent1"/>
+          </a:effectRef>
+          <a:fontRef idx="minor">
+            <a:schemeClr val="lt1"/>
+          </a:fontRef>
+        </p:style>
+        <p:txBody>
+          <a:bodyPr rtlCol="0" anchor="ctr"/>
+          <a:lstStyle/>
+          <a:p>
+            <a:pPr algn="ctr"/>
+            <a:r>
+              <a:rPr lang="en-US" altLang="ko-KR" dirty="0"/>
+              <a:t>NewPlayer1</a:t>
+            </a:r>
+            <a:endParaRPr lang="ko-KR" altLang="en-US" dirty="0"/>
+          </a:p>
+        </p:txBody>
+      </p:sp>
+      <p:sp>
+        <p:nvSpPr>
+          <p:cNvPr id="9" name="직사각형 8">
+            <a:extLst>
+              <a:ext uri="{FF2B5EF4-FFF2-40B4-BE49-F238E27FC236}">
+                <a16:creationId xmlns:a16="http://schemas.microsoft.com/office/drawing/2014/main" id="{7D2E299A-75BE-3EE5-685C-20BCD961D22A}"/>
+              </a:ext>
+            </a:extLst>
+          </p:cNvPr>
+          <p:cNvSpPr/>
+          <p:nvPr/>
+        </p:nvSpPr>
+        <p:spPr>
+          <a:xfrm>
+            <a:off x="1197562" y="6323640"/>
+            <a:ext cx="2098666" cy="534360"/>
+          </a:xfrm>
+          <a:prstGeom prst="rect">
+            <a:avLst/>
+          </a:prstGeom>
+        </p:spPr>
+        <p:style>
+          <a:lnRef idx="2">
+            <a:schemeClr val="accent1">
+              <a:shade val="15000"/>
+            </a:schemeClr>
+          </a:lnRef>
+          <a:fillRef idx="1">
+            <a:schemeClr val="accent1"/>
+          </a:fillRef>
+          <a:effectRef idx="0">
+            <a:schemeClr val="accent1"/>
+          </a:effectRef>
+          <a:fontRef idx="minor">
+            <a:schemeClr val="lt1"/>
+          </a:fontRef>
+        </p:style>
+        <p:txBody>
+          <a:bodyPr rtlCol="0" anchor="ctr"/>
+          <a:lstStyle/>
+          <a:p>
+            <a:pPr algn="ctr"/>
+            <a:r>
+              <a:rPr lang="en-US" altLang="ko-KR" dirty="0"/>
+              <a:t>Hp</a:t>
+            </a:r>
+          </a:p>
+          <a:p>
+            <a:pPr algn="ctr"/>
+            <a:r>
+              <a:rPr lang="en-US" altLang="ko-KR" dirty="0"/>
+              <a:t>80</a:t>
+            </a:r>
+            <a:endParaRPr lang="ko-KR" altLang="en-US" dirty="0"/>
+          </a:p>
+        </p:txBody>
+      </p:sp>
+      <p:sp>
+        <p:nvSpPr>
+          <p:cNvPr id="10" name="직사각형 9">
+            <a:extLst>
+              <a:ext uri="{FF2B5EF4-FFF2-40B4-BE49-F238E27FC236}">
+                <a16:creationId xmlns:a16="http://schemas.microsoft.com/office/drawing/2014/main" id="{2097D2A9-46B9-2EBA-4A05-1E1CE05CDE81}"/>
+              </a:ext>
+            </a:extLst>
+          </p:cNvPr>
+          <p:cNvSpPr/>
+          <p:nvPr/>
+        </p:nvSpPr>
+        <p:spPr>
+          <a:xfrm>
+            <a:off x="3296228" y="6323640"/>
+            <a:ext cx="2193935" cy="534360"/>
+          </a:xfrm>
+          <a:prstGeom prst="rect">
+            <a:avLst/>
+          </a:prstGeom>
+        </p:spPr>
+        <p:style>
+          <a:lnRef idx="2">
+            <a:schemeClr val="accent1">
+              <a:shade val="15000"/>
+            </a:schemeClr>
+          </a:lnRef>
+          <a:fillRef idx="1">
+            <a:schemeClr val="accent1"/>
+          </a:fillRef>
+          <a:effectRef idx="0">
+            <a:schemeClr val="accent1"/>
+          </a:effectRef>
+          <a:fontRef idx="minor">
+            <a:schemeClr val="lt1"/>
+          </a:fontRef>
+        </p:style>
+        <p:txBody>
+          <a:bodyPr rtlCol="0" anchor="ctr"/>
+          <a:lstStyle/>
+          <a:p>
+            <a:pPr algn="ctr"/>
+            <a:r>
+              <a:rPr lang="en-US" altLang="ko-KR" dirty="0" err="1"/>
+              <a:t>Att</a:t>
+            </a:r>
+            <a:endParaRPr lang="ko-KR" altLang="en-US" dirty="0"/>
+          </a:p>
+        </p:txBody>
+      </p:sp>
+      <p:sp>
+        <p:nvSpPr>
+          <p:cNvPr id="11" name="직사각형 10">
+            <a:extLst>
+              <a:ext uri="{FF2B5EF4-FFF2-40B4-BE49-F238E27FC236}">
+                <a16:creationId xmlns:a16="http://schemas.microsoft.com/office/drawing/2014/main" id="{F96CEF89-5102-9B33-66E1-7A5C3A77C8E7}"/>
+              </a:ext>
+            </a:extLst>
+          </p:cNvPr>
+          <p:cNvSpPr/>
+          <p:nvPr/>
+        </p:nvSpPr>
+        <p:spPr>
+          <a:xfrm>
+            <a:off x="5755708" y="6323640"/>
+            <a:ext cx="2098666" cy="534360"/>
+          </a:xfrm>
+          <a:prstGeom prst="rect">
+            <a:avLst/>
+          </a:prstGeom>
+        </p:spPr>
+        <p:style>
+          <a:lnRef idx="2">
+            <a:schemeClr val="accent1">
+              <a:shade val="15000"/>
+            </a:schemeClr>
+          </a:lnRef>
+          <a:fillRef idx="1">
+            <a:schemeClr val="accent1"/>
+          </a:fillRef>
+          <a:effectRef idx="0">
+            <a:schemeClr val="accent1"/>
+          </a:effectRef>
+          <a:fontRef idx="minor">
+            <a:schemeClr val="lt1"/>
+          </a:fontRef>
+        </p:style>
+        <p:txBody>
+          <a:bodyPr rtlCol="0" anchor="ctr"/>
+          <a:lstStyle/>
+          <a:p>
+            <a:pPr algn="ctr"/>
+            <a:r>
+              <a:rPr lang="en-US" altLang="ko-KR" dirty="0"/>
+              <a:t>Hp</a:t>
+            </a:r>
+          </a:p>
+          <a:p>
+            <a:pPr algn="ctr"/>
+            <a:r>
+              <a:rPr lang="en-US" altLang="ko-KR" dirty="0"/>
+              <a:t>90</a:t>
+            </a:r>
+            <a:endParaRPr lang="ko-KR" altLang="en-US" dirty="0"/>
+          </a:p>
+        </p:txBody>
+      </p:sp>
+      <p:sp>
+        <p:nvSpPr>
+          <p:cNvPr id="12" name="직사각형 11">
+            <a:extLst>
+              <a:ext uri="{FF2B5EF4-FFF2-40B4-BE49-F238E27FC236}">
+                <a16:creationId xmlns:a16="http://schemas.microsoft.com/office/drawing/2014/main" id="{F4EB6994-6987-5937-7EBF-A2D2C90E0740}"/>
+              </a:ext>
+            </a:extLst>
+          </p:cNvPr>
+          <p:cNvSpPr/>
+          <p:nvPr/>
+        </p:nvSpPr>
+        <p:spPr>
+          <a:xfrm>
+            <a:off x="7854374" y="6323640"/>
+            <a:ext cx="2193935" cy="534360"/>
+          </a:xfrm>
+          <a:prstGeom prst="rect">
+            <a:avLst/>
+          </a:prstGeom>
+        </p:spPr>
+        <p:style>
+          <a:lnRef idx="2">
+            <a:schemeClr val="accent1">
+              <a:shade val="15000"/>
+            </a:schemeClr>
+          </a:lnRef>
+          <a:fillRef idx="1">
+            <a:schemeClr val="accent1"/>
+          </a:fillRef>
+          <a:effectRef idx="0">
+            <a:schemeClr val="accent1"/>
+          </a:effectRef>
+          <a:fontRef idx="minor">
+            <a:schemeClr val="lt1"/>
+          </a:fontRef>
+        </p:style>
+        <p:txBody>
+          <a:bodyPr rtlCol="0" anchor="ctr"/>
+          <a:lstStyle/>
+          <a:p>
+            <a:pPr algn="ctr"/>
+            <a:r>
+              <a:rPr lang="en-US" altLang="ko-KR" dirty="0" err="1"/>
+              <a:t>Att</a:t>
+            </a:r>
+            <a:endParaRPr lang="ko-KR" altLang="en-US" dirty="0"/>
+          </a:p>
+        </p:txBody>
+      </p:sp>
+      <p:sp>
+        <p:nvSpPr>
+          <p:cNvPr id="13" name="직사각형 12">
+            <a:extLst>
+              <a:ext uri="{FF2B5EF4-FFF2-40B4-BE49-F238E27FC236}">
+                <a16:creationId xmlns:a16="http://schemas.microsoft.com/office/drawing/2014/main" id="{00DA7281-D2E1-D2A6-B99B-8AA5E0938A7B}"/>
+              </a:ext>
+            </a:extLst>
+          </p:cNvPr>
+          <p:cNvSpPr/>
+          <p:nvPr/>
+        </p:nvSpPr>
+        <p:spPr>
+          <a:xfrm>
+            <a:off x="695890" y="-29182"/>
+            <a:ext cx="11333619" cy="1638907"/>
+          </a:xfrm>
+          <a:prstGeom prst="rect">
+            <a:avLst/>
+          </a:prstGeom>
+        </p:spPr>
+        <p:style>
+          <a:lnRef idx="2">
+            <a:schemeClr val="accent3">
+              <a:shade val="15000"/>
+            </a:schemeClr>
+          </a:lnRef>
+          <a:fillRef idx="1">
+            <a:schemeClr val="accent3"/>
+          </a:fillRef>
+          <a:effectRef idx="0">
+            <a:schemeClr val="accent3"/>
+          </a:effectRef>
+          <a:fontRef idx="minor">
+            <a:schemeClr val="lt1"/>
+          </a:fontRef>
+        </p:style>
+        <p:txBody>
+          <a:bodyPr rtlCol="0" anchor="ctr"/>
+          <a:lstStyle/>
+          <a:p>
+            <a:pPr algn="ctr"/>
+            <a:r>
+              <a:rPr lang="ko-KR" altLang="en-US"/>
+              <a:t>코드영역</a:t>
+            </a:r>
+            <a:endParaRPr lang="ko-KR" altLang="en-US" dirty="0"/>
+          </a:p>
+        </p:txBody>
+      </p:sp>
+      <p:sp>
+        <p:nvSpPr>
+          <p:cNvPr id="15" name="TextBox 14">
+            <a:extLst>
+              <a:ext uri="{FF2B5EF4-FFF2-40B4-BE49-F238E27FC236}">
+                <a16:creationId xmlns:a16="http://schemas.microsoft.com/office/drawing/2014/main" id="{B888B69B-600C-5EBE-2D07-A21520F63B20}"/>
+              </a:ext>
+            </a:extLst>
+          </p:cNvPr>
+          <p:cNvSpPr txBox="1"/>
+          <p:nvPr/>
+        </p:nvSpPr>
+        <p:spPr>
+          <a:xfrm>
+            <a:off x="1197562" y="276031"/>
+            <a:ext cx="3223201" cy="1200329"/>
+          </a:xfrm>
+          <a:prstGeom prst="rect">
+            <a:avLst/>
+          </a:prstGeom>
+        </p:spPr>
+        <p:style>
+          <a:lnRef idx="2">
+            <a:schemeClr val="accent6"/>
+          </a:lnRef>
+          <a:fillRef idx="1">
+            <a:schemeClr val="lt1"/>
+          </a:fillRef>
+          <a:effectRef idx="0">
+            <a:schemeClr val="accent6"/>
+          </a:effectRef>
+          <a:fontRef idx="minor">
+            <a:schemeClr val="dk1"/>
+          </a:fontRef>
+        </p:style>
+        <p:txBody>
+          <a:bodyPr wrap="square">
+            <a:spAutoFit/>
+          </a:bodyPr>
+          <a:lstStyle/>
+          <a:p>
+            <a:r>
+              <a:rPr lang="en-US" altLang="ko-KR" sz="1800" dirty="0">
+                <a:solidFill>
+                  <a:srgbClr val="0000FF"/>
+                </a:solidFill>
+                <a:highlight>
+                  <a:srgbClr val="FFFFFF"/>
+                </a:highlight>
+                <a:latin typeface="돋움체" panose="020B0609000101010101" pitchFamily="49" charset="-127"/>
+                <a:ea typeface="돋움체" panose="020B0609000101010101" pitchFamily="49" charset="-127"/>
+              </a:rPr>
+              <a:t>void</a:t>
+            </a:r>
+            <a:r>
+              <a:rPr lang="en-US" altLang="ko-KR" sz="1800" dirty="0">
+                <a:solidFill>
+                  <a:srgbClr val="000000"/>
+                </a:solidFill>
+                <a:highlight>
+                  <a:srgbClr val="FFFFFF"/>
+                </a:highlight>
+                <a:latin typeface="돋움체" panose="020B0609000101010101" pitchFamily="49" charset="-127"/>
+                <a:ea typeface="돋움체" panose="020B0609000101010101" pitchFamily="49" charset="-127"/>
+              </a:rPr>
+              <a:t> Damage(</a:t>
+            </a:r>
+            <a:r>
+              <a:rPr lang="en-US" altLang="ko-KR" sz="1800" dirty="0">
+                <a:solidFill>
+                  <a:srgbClr val="0000FF"/>
+                </a:solidFill>
+                <a:highlight>
+                  <a:srgbClr val="FFFFFF"/>
+                </a:highlight>
+                <a:latin typeface="돋움체" panose="020B0609000101010101" pitchFamily="49" charset="-127"/>
+                <a:ea typeface="돋움체" panose="020B0609000101010101" pitchFamily="49" charset="-127"/>
+              </a:rPr>
+              <a:t>int</a:t>
+            </a:r>
+            <a:r>
+              <a:rPr lang="en-US" altLang="ko-KR" sz="1800" dirty="0">
+                <a:solidFill>
+                  <a:srgbClr val="000000"/>
+                </a:solidFill>
+                <a:highlight>
+                  <a:srgbClr val="FFFFFF"/>
+                </a:highlight>
+                <a:latin typeface="돋움체" panose="020B0609000101010101" pitchFamily="49" charset="-127"/>
+                <a:ea typeface="돋움체" panose="020B0609000101010101" pitchFamily="49" charset="-127"/>
+              </a:rPr>
+              <a:t> </a:t>
+            </a:r>
+            <a:r>
+              <a:rPr lang="en-US" altLang="ko-KR" sz="1800" dirty="0">
+                <a:solidFill>
+                  <a:srgbClr val="808080"/>
+                </a:solidFill>
+                <a:highlight>
+                  <a:srgbClr val="FFFFFF"/>
+                </a:highlight>
+                <a:latin typeface="돋움체" panose="020B0609000101010101" pitchFamily="49" charset="-127"/>
+                <a:ea typeface="돋움체" panose="020B0609000101010101" pitchFamily="49" charset="-127"/>
+              </a:rPr>
+              <a:t>_</a:t>
+            </a:r>
+            <a:r>
+              <a:rPr lang="en-US" altLang="ko-KR" sz="1800" dirty="0" err="1">
+                <a:solidFill>
+                  <a:srgbClr val="808080"/>
+                </a:solidFill>
+                <a:highlight>
+                  <a:srgbClr val="FFFFFF"/>
+                </a:highlight>
+                <a:latin typeface="돋움체" panose="020B0609000101010101" pitchFamily="49" charset="-127"/>
+                <a:ea typeface="돋움체" panose="020B0609000101010101" pitchFamily="49" charset="-127"/>
+              </a:rPr>
+              <a:t>Att</a:t>
+            </a:r>
+            <a:r>
+              <a:rPr lang="en-US" altLang="ko-KR" sz="1800" dirty="0">
+                <a:solidFill>
+                  <a:srgbClr val="000000"/>
+                </a:solidFill>
+                <a:highlight>
+                  <a:srgbClr val="FFFFFF"/>
+                </a:highlight>
+                <a:latin typeface="돋움체" panose="020B0609000101010101" pitchFamily="49" charset="-127"/>
+                <a:ea typeface="돋움체" panose="020B0609000101010101" pitchFamily="49" charset="-127"/>
+              </a:rPr>
+              <a:t>)</a:t>
+            </a:r>
+          </a:p>
+          <a:p>
+            <a:r>
+              <a:rPr lang="en-US" altLang="ko-KR" sz="1800" dirty="0">
+                <a:solidFill>
+                  <a:srgbClr val="000000"/>
+                </a:solidFill>
+                <a:highlight>
+                  <a:srgbClr val="FFFFFF"/>
+                </a:highlight>
+                <a:latin typeface="돋움체" panose="020B0609000101010101" pitchFamily="49" charset="-127"/>
+                <a:ea typeface="돋움체" panose="020B0609000101010101" pitchFamily="49" charset="-127"/>
+              </a:rPr>
+              <a:t>{</a:t>
+            </a:r>
+          </a:p>
+          <a:p>
+            <a:r>
+              <a:rPr lang="en-US" altLang="ko-KR" sz="1800" dirty="0">
+                <a:solidFill>
+                  <a:srgbClr val="000000"/>
+                </a:solidFill>
+                <a:highlight>
+                  <a:srgbClr val="FFFFFF"/>
+                </a:highlight>
+                <a:latin typeface="돋움체" panose="020B0609000101010101" pitchFamily="49" charset="-127"/>
+                <a:ea typeface="돋움체" panose="020B0609000101010101" pitchFamily="49" charset="-127"/>
+              </a:rPr>
+              <a:t>Hp -= </a:t>
+            </a:r>
+            <a:r>
+              <a:rPr lang="en-US" altLang="ko-KR" sz="1800" dirty="0">
+                <a:solidFill>
+                  <a:srgbClr val="808080"/>
+                </a:solidFill>
+                <a:highlight>
+                  <a:srgbClr val="FFFFFF"/>
+                </a:highlight>
+                <a:latin typeface="돋움체" panose="020B0609000101010101" pitchFamily="49" charset="-127"/>
+                <a:ea typeface="돋움체" panose="020B0609000101010101" pitchFamily="49" charset="-127"/>
+              </a:rPr>
+              <a:t>_</a:t>
+            </a:r>
+            <a:r>
+              <a:rPr lang="en-US" altLang="ko-KR" sz="1800" dirty="0" err="1">
+                <a:solidFill>
+                  <a:srgbClr val="808080"/>
+                </a:solidFill>
+                <a:highlight>
+                  <a:srgbClr val="FFFFFF"/>
+                </a:highlight>
+                <a:latin typeface="돋움체" panose="020B0609000101010101" pitchFamily="49" charset="-127"/>
+                <a:ea typeface="돋움체" panose="020B0609000101010101" pitchFamily="49" charset="-127"/>
+              </a:rPr>
+              <a:t>Att</a:t>
+            </a:r>
+            <a:r>
+              <a:rPr lang="en-US" altLang="ko-KR" sz="1800" dirty="0">
+                <a:solidFill>
+                  <a:srgbClr val="000000"/>
+                </a:solidFill>
+                <a:highlight>
+                  <a:srgbClr val="FFFFFF"/>
+                </a:highlight>
+                <a:latin typeface="돋움체" panose="020B0609000101010101" pitchFamily="49" charset="-127"/>
+                <a:ea typeface="돋움체" panose="020B0609000101010101" pitchFamily="49" charset="-127"/>
+              </a:rPr>
+              <a:t>;</a:t>
+            </a:r>
+          </a:p>
+          <a:p>
+            <a:r>
+              <a:rPr lang="en-US" altLang="ko-KR" sz="1800" dirty="0">
+                <a:solidFill>
+                  <a:srgbClr val="000000"/>
+                </a:solidFill>
+                <a:highlight>
+                  <a:srgbClr val="FFFFFF"/>
+                </a:highlight>
+                <a:latin typeface="돋움체" panose="020B0609000101010101" pitchFamily="49" charset="-127"/>
+                <a:ea typeface="돋움체" panose="020B0609000101010101" pitchFamily="49" charset="-127"/>
+              </a:rPr>
+              <a:t>}</a:t>
+            </a:r>
+          </a:p>
+        </p:txBody>
+      </p:sp>
+    </p:spTree>
+    <p:extLst>
+      <p:ext uri="{BB962C8B-B14F-4D97-AF65-F5344CB8AC3E}">
+        <p14:creationId xmlns:p14="http://schemas.microsoft.com/office/powerpoint/2010/main" val="3219432478"/>
+      </p:ext>
+    </p:extLst>
+  </p:cSld>
+  <p:clrMapOvr>
+    <a:masterClrMapping/>
+  </p:clrMapOvr>
+</p:sld>
+</file>
+
+<file path=ppt/slides/slide2.xml><?xml version="1.0" encoding="utf-8"?>
+<p:sld xmlns:a="http://schemas.openxmlformats.org/drawingml/2006/main" xmlns:r="http://schemas.openxmlformats.org/officeDocument/2006/relationships" xmlns:p="http://schemas.openxmlformats.org/presentationml/2006/main">
+  <p:cSld>
+    <p:spTree>
+      <p:nvGrpSpPr>
+        <p:cNvPr id="1" name=""/>
+        <p:cNvGrpSpPr/>
+        <p:nvPr/>
+      </p:nvGrpSpPr>
+      <p:grpSpPr>
+        <a:xfrm>
+          <a:off x="0" y="0"/>
+          <a:ext cx="0" cy="0"/>
+          <a:chOff x="0" y="0"/>
+          <a:chExt cx="0" cy="0"/>
+        </a:xfrm>
+      </p:grpSpPr>
+      <p:pic>
+        <p:nvPicPr>
+          <p:cNvPr id="3" name="그림 2">
+            <a:extLst>
+              <a:ext uri="{FF2B5EF4-FFF2-40B4-BE49-F238E27FC236}">
+                <a16:creationId xmlns:a16="http://schemas.microsoft.com/office/drawing/2014/main" id="{DC0B66C8-E9A4-07A4-23B0-886E5A5DCFBF}"/>
+              </a:ext>
+            </a:extLst>
+          </p:cNvPr>
+          <p:cNvPicPr>
+            <a:picLocks noChangeAspect="1"/>
+          </p:cNvPicPr>
+          <p:nvPr/>
+        </p:nvPicPr>
+        <p:blipFill>
+          <a:blip r:embed="rId2"/>
+          <a:stretch>
+            <a:fillRect/>
+          </a:stretch>
+        </p:blipFill>
+        <p:spPr>
+          <a:xfrm>
+            <a:off x="408534" y="236980"/>
+            <a:ext cx="10783805" cy="4001058"/>
+          </a:xfrm>
+          <a:prstGeom prst="rect">
+            <a:avLst/>
+          </a:prstGeom>
+        </p:spPr>
+      </p:pic>
+    </p:spTree>
+    <p:extLst>
+      <p:ext uri="{BB962C8B-B14F-4D97-AF65-F5344CB8AC3E}">
+        <p14:creationId xmlns:p14="http://schemas.microsoft.com/office/powerpoint/2010/main" val="3829778480"/>
+      </p:ext>
+    </p:extLst>
+  </p:cSld>
+  <p:clrMapOvr>
+    <a:masterClrMapping/>
+  </p:clrMapOvr>
+</p:sld>
+</file>
+
+<file path=ppt/slides/slide20.xml><?xml version="1.0" encoding="utf-8"?>
+<p:sld xmlns:a="http://schemas.openxmlformats.org/drawingml/2006/main" xmlns:r="http://schemas.openxmlformats.org/officeDocument/2006/relationships" xmlns:p="http://schemas.openxmlformats.org/presentationml/2006/main">
+  <p:cSld>
+    <p:spTree>
+      <p:nvGrpSpPr>
+        <p:cNvPr id="1" name=""/>
+        <p:cNvGrpSpPr/>
+        <p:nvPr/>
+      </p:nvGrpSpPr>
+      <p:grpSpPr>
+        <a:xfrm>
+          <a:off x="0" y="0"/>
+          <a:ext cx="0" cy="0"/>
+          <a:chOff x="0" y="0"/>
+          <a:chExt cx="0" cy="0"/>
+        </a:xfrm>
+      </p:grpSpPr>
+      <p:pic>
+        <p:nvPicPr>
+          <p:cNvPr id="5" name="그림 4">
+            <a:extLst>
+              <a:ext uri="{FF2B5EF4-FFF2-40B4-BE49-F238E27FC236}">
+                <a16:creationId xmlns:a16="http://schemas.microsoft.com/office/drawing/2014/main" id="{C2A1E802-6AE8-ED72-51DA-2BBA631783C6}"/>
+              </a:ext>
+            </a:extLst>
+          </p:cNvPr>
+          <p:cNvPicPr>
+            <a:picLocks noChangeAspect="1"/>
+          </p:cNvPicPr>
+          <p:nvPr/>
+        </p:nvPicPr>
+        <p:blipFill>
+          <a:blip r:embed="rId2"/>
+          <a:stretch>
+            <a:fillRect/>
+          </a:stretch>
+        </p:blipFill>
+        <p:spPr>
+          <a:xfrm>
+            <a:off x="609076" y="747404"/>
+            <a:ext cx="7506748" cy="4410691"/>
+          </a:xfrm>
+          <a:prstGeom prst="rect">
+            <a:avLst/>
+          </a:prstGeom>
+        </p:spPr>
+      </p:pic>
+    </p:spTree>
+    <p:extLst>
+      <p:ext uri="{BB962C8B-B14F-4D97-AF65-F5344CB8AC3E}">
+        <p14:creationId xmlns:p14="http://schemas.microsoft.com/office/powerpoint/2010/main" val="3574682414"/>
+      </p:ext>
+    </p:extLst>
+  </p:cSld>
+  <p:clrMapOvr>
+    <a:masterClrMapping/>
+  </p:clrMapOvr>
+</p:sld>
+</file>
+
+<file path=ppt/slides/slide21.xml><?xml version="1.0" encoding="utf-8"?>
+<p:sld xmlns:a="http://schemas.openxmlformats.org/drawingml/2006/main" xmlns:r="http://schemas.openxmlformats.org/officeDocument/2006/relationships" xmlns:p="http://schemas.openxmlformats.org/presentationml/2006/main">
+  <p:cSld>
+    <p:spTree>
+      <p:nvGrpSpPr>
+        <p:cNvPr id="1" name=""/>
+        <p:cNvGrpSpPr/>
+        <p:nvPr/>
+      </p:nvGrpSpPr>
+      <p:grpSpPr>
+        <a:xfrm>
+          <a:off x="0" y="0"/>
+          <a:ext cx="0" cy="0"/>
+          <a:chOff x="0" y="0"/>
+          <a:chExt cx="0" cy="0"/>
+        </a:xfrm>
+      </p:grpSpPr>
+      <p:pic>
+        <p:nvPicPr>
+          <p:cNvPr id="3" name="그림 2">
+            <a:extLst>
+              <a:ext uri="{FF2B5EF4-FFF2-40B4-BE49-F238E27FC236}">
+                <a16:creationId xmlns:a16="http://schemas.microsoft.com/office/drawing/2014/main" id="{CA4E1201-B227-F1BB-3E7B-01B11CF21F8A}"/>
+              </a:ext>
+            </a:extLst>
+          </p:cNvPr>
+          <p:cNvPicPr>
+            <a:picLocks noChangeAspect="1"/>
+          </p:cNvPicPr>
+          <p:nvPr/>
+        </p:nvPicPr>
+        <p:blipFill>
+          <a:blip r:embed="rId2"/>
+          <a:stretch>
+            <a:fillRect/>
+          </a:stretch>
+        </p:blipFill>
+        <p:spPr>
+          <a:xfrm>
+            <a:off x="323044" y="466533"/>
+            <a:ext cx="8157574" cy="3876867"/>
+          </a:xfrm>
+          <a:prstGeom prst="rect">
+            <a:avLst/>
+          </a:prstGeom>
+        </p:spPr>
+      </p:pic>
+      <mc:AlternateContent xmlns:mc="http://schemas.openxmlformats.org/markup-compatibility/2006">
+        <mc:Choice xmlns:p14="http://schemas.microsoft.com/office/powerpoint/2010/main" Requires="p14">
+          <p:contentPart p14:bwMode="auto" r:id="rId3">
+            <p14:nvContentPartPr>
+              <p14:cNvPr id="6" name="잉크 5">
+                <a:extLst>
+                  <a:ext uri="{FF2B5EF4-FFF2-40B4-BE49-F238E27FC236}">
+                    <a16:creationId xmlns:a16="http://schemas.microsoft.com/office/drawing/2014/main" id="{379CCFD0-F08D-D39B-3D63-1B340AB38A7A}"/>
+                  </a:ext>
+                </a:extLst>
+              </p14:cNvPr>
+              <p14:cNvContentPartPr/>
+              <p14:nvPr/>
+            </p14:nvContentPartPr>
+            <p14:xfrm>
+              <a:off x="3267885" y="1818645"/>
+              <a:ext cx="3771360" cy="372960"/>
+            </p14:xfrm>
+          </p:contentPart>
+        </mc:Choice>
+        <mc:Fallback>
+          <p:pic>
+            <p:nvPicPr>
+              <p:cNvPr id="6" name="잉크 5">
+                <a:extLst>
+                  <a:ext uri="{FF2B5EF4-FFF2-40B4-BE49-F238E27FC236}">
+                    <a16:creationId xmlns:a16="http://schemas.microsoft.com/office/drawing/2014/main" id="{379CCFD0-F08D-D39B-3D63-1B340AB38A7A}"/>
+                  </a:ext>
+                </a:extLst>
+              </p:cNvPr>
+              <p:cNvPicPr/>
+              <p:nvPr/>
+            </p:nvPicPr>
+            <p:blipFill>
+              <a:blip r:embed="rId4"/>
+              <a:stretch>
+                <a:fillRect/>
+              </a:stretch>
+            </p:blipFill>
+            <p:spPr>
+              <a:xfrm>
+                <a:off x="3261765" y="1812525"/>
+                <a:ext cx="3783600" cy="385200"/>
+              </a:xfrm>
+              <a:prstGeom prst="rect">
+                <a:avLst/>
+              </a:prstGeom>
+            </p:spPr>
+          </p:pic>
+        </mc:Fallback>
+      </mc:AlternateContent>
+      <p:sp>
+        <p:nvSpPr>
+          <p:cNvPr id="7" name="TextBox 6">
+            <a:extLst>
+              <a:ext uri="{FF2B5EF4-FFF2-40B4-BE49-F238E27FC236}">
+                <a16:creationId xmlns:a16="http://schemas.microsoft.com/office/drawing/2014/main" id="{78E49089-8ACB-3A35-B084-8C8D4DC7EC00}"/>
+              </a:ext>
+            </a:extLst>
+          </p:cNvPr>
+          <p:cNvSpPr txBox="1"/>
+          <p:nvPr/>
+        </p:nvSpPr>
+        <p:spPr>
+          <a:xfrm>
+            <a:off x="609600" y="4819650"/>
+            <a:ext cx="4984057" cy="369332"/>
+          </a:xfrm>
+          <a:prstGeom prst="rect">
+            <a:avLst/>
+          </a:prstGeom>
+          <a:noFill/>
+        </p:spPr>
+        <p:txBody>
+          <a:bodyPr wrap="none" rtlCol="0">
+            <a:spAutoFit/>
+          </a:bodyPr>
+          <a:lstStyle/>
+          <a:p>
+            <a:r>
+              <a:rPr lang="en-US" altLang="ko-KR" dirty="0"/>
+              <a:t>Inline </a:t>
+            </a:r>
+            <a:r>
+              <a:rPr lang="ko-KR" altLang="en-US" dirty="0"/>
+              <a:t>을 붙일만한 곳에 자동으로 붙이는 옵션</a:t>
+            </a:r>
+            <a:r>
+              <a:rPr lang="en-US" altLang="ko-KR"/>
+              <a:t>.</a:t>
+            </a:r>
+            <a:endParaRPr lang="ko-KR" altLang="en-US"/>
+          </a:p>
+        </p:txBody>
+      </p:sp>
     </p:spTree>
     <p:extLst>
       <p:ext uri="{BB962C8B-B14F-4D97-AF65-F5344CB8AC3E}">
@@ -4040,7 +5848,7 @@
 </p:sld>
 </file>
 
-<file path=ppt/slides/slide18.xml><?xml version="1.0" encoding="utf-8"?>
+<file path=ppt/slides/slide22.xml><?xml version="1.0" encoding="utf-8"?>
 <p:sld xmlns:a="http://schemas.openxmlformats.org/drawingml/2006/main" xmlns:r="http://schemas.openxmlformats.org/officeDocument/2006/relationships" xmlns:p="http://schemas.openxmlformats.org/presentationml/2006/main">
   <p:cSld>
     <p:spTree>
@@ -4070,7 +5878,7 @@
 </p:sld>
 </file>
 
-<file path=ppt/slides/slide19.xml><?xml version="1.0" encoding="utf-8"?>
+<file path=ppt/slides/slide23.xml><?xml version="1.0" encoding="utf-8"?>
 <p:sld xmlns:a="http://schemas.openxmlformats.org/drawingml/2006/main" xmlns:r="http://schemas.openxmlformats.org/officeDocument/2006/relationships" xmlns:p="http://schemas.openxmlformats.org/presentationml/2006/main">
   <p:cSld>
     <p:spTree>
@@ -4100,67 +5908,7 @@
 </p:sld>
 </file>
 
-<file path=ppt/slides/slide2.xml><?xml version="1.0" encoding="utf-8"?>
-<p:sld xmlns:a="http://schemas.openxmlformats.org/drawingml/2006/main" xmlns:r="http://schemas.openxmlformats.org/officeDocument/2006/relationships" xmlns:p="http://schemas.openxmlformats.org/presentationml/2006/main">
-  <p:cSld>
-    <p:spTree>
-      <p:nvGrpSpPr>
-        <p:cNvPr id="1" name=""/>
-        <p:cNvGrpSpPr/>
-        <p:nvPr/>
-      </p:nvGrpSpPr>
-      <p:grpSpPr>
-        <a:xfrm>
-          <a:off x="0" y="0"/>
-          <a:ext cx="0" cy="0"/>
-          <a:chOff x="0" y="0"/>
-          <a:chExt cx="0" cy="0"/>
-        </a:xfrm>
-      </p:grpSpPr>
-      <p:pic>
-        <p:nvPicPr>
-          <p:cNvPr id="3" name="그림 2">
-            <a:extLst>
-              <a:ext uri="{FF2B5EF4-FFF2-40B4-BE49-F238E27FC236}">
-                <a16:creationId xmlns:a16="http://schemas.microsoft.com/office/drawing/2014/main" id="{AE2E93F2-7150-57D8-7D4B-21479B2C573E}"/>
-              </a:ext>
-            </a:extLst>
-          </p:cNvPr>
-          <p:cNvPicPr>
-            <a:picLocks noChangeAspect="1"/>
-          </p:cNvPicPr>
-          <p:nvPr/>
-        </p:nvPicPr>
-        <p:blipFill>
-          <a:blip r:embed="rId2"/>
-          <a:stretch>
-            <a:fillRect/>
-          </a:stretch>
-        </p:blipFill>
-        <p:spPr>
-          <a:xfrm>
-            <a:off x="717730" y="447842"/>
-            <a:ext cx="7763958" cy="3801005"/>
-          </a:xfrm>
-          <a:prstGeom prst="rect">
-            <a:avLst/>
-          </a:prstGeom>
-        </p:spPr>
-      </p:pic>
-    </p:spTree>
-    <p:extLst>
-      <p:ext uri="{BB962C8B-B14F-4D97-AF65-F5344CB8AC3E}">
-        <p14:creationId xmlns:p14="http://schemas.microsoft.com/office/powerpoint/2010/main" val="3822887583"/>
-      </p:ext>
-    </p:extLst>
-  </p:cSld>
-  <p:clrMapOvr>
-    <a:masterClrMapping/>
-  </p:clrMapOvr>
-</p:sld>
-</file>
-
-<file path=ppt/slides/slide20.xml><?xml version="1.0" encoding="utf-8"?>
+<file path=ppt/slides/slide24.xml><?xml version="1.0" encoding="utf-8"?>
 <p:sld xmlns:a="http://schemas.openxmlformats.org/drawingml/2006/main" xmlns:r="http://schemas.openxmlformats.org/officeDocument/2006/relationships" xmlns:p="http://schemas.openxmlformats.org/presentationml/2006/main">
   <p:cSld>
     <p:spTree>
@@ -4212,7 +5960,7 @@
           <p:cNvPr id="3" name="그림 2">
             <a:extLst>
               <a:ext uri="{FF2B5EF4-FFF2-40B4-BE49-F238E27FC236}">
-                <a16:creationId xmlns:a16="http://schemas.microsoft.com/office/drawing/2014/main" id="{16B93860-3670-FFDB-7A2E-879C58C45292}"/>
+                <a16:creationId xmlns:a16="http://schemas.microsoft.com/office/drawing/2014/main" id="{AE2E93F2-7150-57D8-7D4B-21479B2C573E}"/>
               </a:ext>
             </a:extLst>
           </p:cNvPr>
@@ -4229,8 +5977,8 @@
         </p:blipFill>
         <p:spPr>
           <a:xfrm>
-            <a:off x="0" y="361274"/>
-            <a:ext cx="6201640" cy="5544324"/>
+            <a:off x="717730" y="447842"/>
+            <a:ext cx="7763958" cy="3801005"/>
           </a:xfrm>
           <a:prstGeom prst="rect">
             <a:avLst/>
@@ -4240,7 +5988,7 @@
     </p:spTree>
     <p:extLst>
       <p:ext uri="{BB962C8B-B14F-4D97-AF65-F5344CB8AC3E}">
-        <p14:creationId xmlns:p14="http://schemas.microsoft.com/office/powerpoint/2010/main" val="2630202412"/>
+        <p14:creationId xmlns:p14="http://schemas.microsoft.com/office/powerpoint/2010/main" val="3822887583"/>
       </p:ext>
     </p:extLst>
   </p:cSld>
@@ -4269,6 +6017,131 @@
       </p:grpSpPr>
       <p:sp>
         <p:nvSpPr>
+          <p:cNvPr id="2" name="TextBox 1">
+            <a:extLst>
+              <a:ext uri="{FF2B5EF4-FFF2-40B4-BE49-F238E27FC236}">
+                <a16:creationId xmlns:a16="http://schemas.microsoft.com/office/drawing/2014/main" id="{831ADEF2-87BD-1193-4787-F586A3FD813E}"/>
+              </a:ext>
+            </a:extLst>
+          </p:cNvPr>
+          <p:cNvSpPr txBox="1"/>
+          <p:nvPr/>
+        </p:nvSpPr>
+        <p:spPr>
+          <a:xfrm>
+            <a:off x="738909" y="508000"/>
+            <a:ext cx="3616696" cy="861774"/>
+          </a:xfrm>
+          <a:prstGeom prst="rect">
+            <a:avLst/>
+          </a:prstGeom>
+          <a:noFill/>
+        </p:spPr>
+        <p:txBody>
+          <a:bodyPr wrap="none" rtlCol="0">
+            <a:spAutoFit/>
+          </a:bodyPr>
+          <a:lstStyle/>
+          <a:p>
+            <a:r>
+              <a:rPr lang="ko-KR" altLang="en-US" sz="5000" dirty="0"/>
+              <a:t>바이트 패딩</a:t>
+            </a:r>
+          </a:p>
+        </p:txBody>
+      </p:sp>
+    </p:spTree>
+    <p:extLst>
+      <p:ext uri="{BB962C8B-B14F-4D97-AF65-F5344CB8AC3E}">
+        <p14:creationId xmlns:p14="http://schemas.microsoft.com/office/powerpoint/2010/main" val="2146214050"/>
+      </p:ext>
+    </p:extLst>
+  </p:cSld>
+  <p:clrMapOvr>
+    <a:masterClrMapping/>
+  </p:clrMapOvr>
+</p:sld>
+</file>
+
+<file path=ppt/slides/slide5.xml><?xml version="1.0" encoding="utf-8"?>
+<p:sld xmlns:a="http://schemas.openxmlformats.org/drawingml/2006/main" xmlns:r="http://schemas.openxmlformats.org/officeDocument/2006/relationships" xmlns:p="http://schemas.openxmlformats.org/presentationml/2006/main">
+  <p:cSld>
+    <p:spTree>
+      <p:nvGrpSpPr>
+        <p:cNvPr id="1" name=""/>
+        <p:cNvGrpSpPr/>
+        <p:nvPr/>
+      </p:nvGrpSpPr>
+      <p:grpSpPr>
+        <a:xfrm>
+          <a:off x="0" y="0"/>
+          <a:ext cx="0" cy="0"/>
+          <a:chOff x="0" y="0"/>
+          <a:chExt cx="0" cy="0"/>
+        </a:xfrm>
+      </p:grpSpPr>
+      <p:pic>
+        <p:nvPicPr>
+          <p:cNvPr id="3" name="그림 2">
+            <a:extLst>
+              <a:ext uri="{FF2B5EF4-FFF2-40B4-BE49-F238E27FC236}">
+                <a16:creationId xmlns:a16="http://schemas.microsoft.com/office/drawing/2014/main" id="{16B93860-3670-FFDB-7A2E-879C58C45292}"/>
+              </a:ext>
+            </a:extLst>
+          </p:cNvPr>
+          <p:cNvPicPr>
+            <a:picLocks noChangeAspect="1"/>
+          </p:cNvPicPr>
+          <p:nvPr/>
+        </p:nvPicPr>
+        <p:blipFill>
+          <a:blip r:embed="rId2"/>
+          <a:stretch>
+            <a:fillRect/>
+          </a:stretch>
+        </p:blipFill>
+        <p:spPr>
+          <a:xfrm>
+            <a:off x="0" y="361274"/>
+            <a:ext cx="6201640" cy="5544324"/>
+          </a:xfrm>
+          <a:prstGeom prst="rect">
+            <a:avLst/>
+          </a:prstGeom>
+        </p:spPr>
+      </p:pic>
+    </p:spTree>
+    <p:extLst>
+      <p:ext uri="{BB962C8B-B14F-4D97-AF65-F5344CB8AC3E}">
+        <p14:creationId xmlns:p14="http://schemas.microsoft.com/office/powerpoint/2010/main" val="2630202412"/>
+      </p:ext>
+    </p:extLst>
+  </p:cSld>
+  <p:clrMapOvr>
+    <a:masterClrMapping/>
+  </p:clrMapOvr>
+</p:sld>
+</file>
+
+<file path=ppt/slides/slide6.xml><?xml version="1.0" encoding="utf-8"?>
+<p:sld xmlns:a="http://schemas.openxmlformats.org/drawingml/2006/main" xmlns:r="http://schemas.openxmlformats.org/officeDocument/2006/relationships" xmlns:p="http://schemas.openxmlformats.org/presentationml/2006/main">
+  <p:cSld>
+    <p:spTree>
+      <p:nvGrpSpPr>
+        <p:cNvPr id="1" name=""/>
+        <p:cNvGrpSpPr/>
+        <p:nvPr/>
+      </p:nvGrpSpPr>
+      <p:grpSpPr>
+        <a:xfrm>
+          <a:off x="0" y="0"/>
+          <a:ext cx="0" cy="0"/>
+          <a:chOff x="0" y="0"/>
+          <a:chExt cx="0" cy="0"/>
+        </a:xfrm>
+      </p:grpSpPr>
+      <p:sp>
+        <p:nvSpPr>
           <p:cNvPr id="2" name="직사각형 1">
             <a:extLst>
               <a:ext uri="{FF2B5EF4-FFF2-40B4-BE49-F238E27FC236}">
@@ -4704,7 +6577,7 @@
 </p:sld>
 </file>
 
-<file path=ppt/slides/slide5.xml><?xml version="1.0" encoding="utf-8"?>
+<file path=ppt/slides/slide7.xml><?xml version="1.0" encoding="utf-8"?>
 <p:sld xmlns:a="http://schemas.openxmlformats.org/drawingml/2006/main" xmlns:r="http://schemas.openxmlformats.org/officeDocument/2006/relationships" xmlns:p="http://schemas.openxmlformats.org/presentationml/2006/main">
   <p:cSld>
     <p:spTree>
@@ -5202,7 +7075,7 @@
 </p:sld>
 </file>
 
-<file path=ppt/slides/slide6.xml><?xml version="1.0" encoding="utf-8"?>
+<file path=ppt/slides/slide8.xml><?xml version="1.0" encoding="utf-8"?>
 <p:sld xmlns:a="http://schemas.openxmlformats.org/drawingml/2006/main" xmlns:r="http://schemas.openxmlformats.org/officeDocument/2006/relationships" xmlns:p="http://schemas.openxmlformats.org/presentationml/2006/main">
   <p:cSld>
     <p:spTree>
@@ -5343,7 +7216,7 @@
 </p:sld>
 </file>
 
-<file path=ppt/slides/slide7.xml><?xml version="1.0" encoding="utf-8"?>
+<file path=ppt/slides/slide9.xml><?xml version="1.0" encoding="utf-8"?>
 <p:sld xmlns:a="http://schemas.openxmlformats.org/drawingml/2006/main" xmlns:r="http://schemas.openxmlformats.org/officeDocument/2006/relationships" xmlns:p="http://schemas.openxmlformats.org/presentationml/2006/main">
   <p:cSld>
     <p:spTree>
@@ -5780,624 +7653,6 @@
     <p:extLst>
       <p:ext uri="{BB962C8B-B14F-4D97-AF65-F5344CB8AC3E}">
         <p14:creationId xmlns:p14="http://schemas.microsoft.com/office/powerpoint/2010/main" val="2053948687"/>
-      </p:ext>
-    </p:extLst>
-  </p:cSld>
-  <p:clrMapOvr>
-    <a:masterClrMapping/>
-  </p:clrMapOvr>
-</p:sld>
-</file>
-
-<file path=ppt/slides/slide8.xml><?xml version="1.0" encoding="utf-8"?>
-<p:sld xmlns:a="http://schemas.openxmlformats.org/drawingml/2006/main" xmlns:r="http://schemas.openxmlformats.org/officeDocument/2006/relationships" xmlns:p="http://schemas.openxmlformats.org/presentationml/2006/main">
-  <p:cSld>
-    <p:spTree>
-      <p:nvGrpSpPr>
-        <p:cNvPr id="1" name=""/>
-        <p:cNvGrpSpPr/>
-        <p:nvPr/>
-      </p:nvGrpSpPr>
-      <p:grpSpPr>
-        <a:xfrm>
-          <a:off x="0" y="0"/>
-          <a:ext cx="0" cy="0"/>
-          <a:chOff x="0" y="0"/>
-          <a:chExt cx="0" cy="0"/>
-        </a:xfrm>
-      </p:grpSpPr>
-      <p:pic>
-        <p:nvPicPr>
-          <p:cNvPr id="2" name="그림 1">
-            <a:extLst>
-              <a:ext uri="{FF2B5EF4-FFF2-40B4-BE49-F238E27FC236}">
-                <a16:creationId xmlns:a16="http://schemas.microsoft.com/office/drawing/2014/main" id="{1710A148-423A-C99A-9F96-905382F83D4D}"/>
-              </a:ext>
-            </a:extLst>
-          </p:cNvPr>
-          <p:cNvPicPr>
-            <a:picLocks noChangeAspect="1"/>
-          </p:cNvPicPr>
-          <p:nvPr/>
-        </p:nvPicPr>
-        <p:blipFill>
-          <a:blip r:embed="rId2"/>
-          <a:stretch>
-            <a:fillRect/>
-          </a:stretch>
-        </p:blipFill>
-        <p:spPr>
-          <a:xfrm>
-            <a:off x="432859" y="638317"/>
-            <a:ext cx="5061450" cy="3609279"/>
-          </a:xfrm>
-          <a:prstGeom prst="rect">
-            <a:avLst/>
-          </a:prstGeom>
-        </p:spPr>
-      </p:pic>
-      <p:sp>
-        <p:nvSpPr>
-          <p:cNvPr id="3" name="직사각형 2">
-            <a:extLst>
-              <a:ext uri="{FF2B5EF4-FFF2-40B4-BE49-F238E27FC236}">
-                <a16:creationId xmlns:a16="http://schemas.microsoft.com/office/drawing/2014/main" id="{E3CF58C8-4E95-747E-8722-CD599F339212}"/>
-              </a:ext>
-            </a:extLst>
-          </p:cNvPr>
-          <p:cNvSpPr/>
-          <p:nvPr/>
-        </p:nvSpPr>
-        <p:spPr>
-          <a:xfrm>
-            <a:off x="6472682" y="1432986"/>
-            <a:ext cx="4620191" cy="534360"/>
-          </a:xfrm>
-          <a:prstGeom prst="rect">
-            <a:avLst/>
-          </a:prstGeom>
-        </p:spPr>
-        <p:style>
-          <a:lnRef idx="2">
-            <a:schemeClr val="accent1">
-              <a:shade val="15000"/>
-            </a:schemeClr>
-          </a:lnRef>
-          <a:fillRef idx="1">
-            <a:schemeClr val="accent1"/>
-          </a:fillRef>
-          <a:effectRef idx="0">
-            <a:schemeClr val="accent1"/>
-          </a:effectRef>
-          <a:fontRef idx="minor">
-            <a:schemeClr val="lt1"/>
-          </a:fontRef>
-        </p:style>
-        <p:txBody>
-          <a:bodyPr rtlCol="0" anchor="ctr"/>
-          <a:lstStyle/>
-          <a:p>
-            <a:pPr algn="ctr"/>
-            <a:r>
-              <a:rPr lang="en-US" altLang="ko-KR" dirty="0" err="1"/>
-              <a:t>NewPlayer</a:t>
-            </a:r>
-            <a:endParaRPr lang="ko-KR" altLang="en-US" dirty="0"/>
-          </a:p>
-        </p:txBody>
-      </p:sp>
-      <p:sp>
-        <p:nvSpPr>
-          <p:cNvPr id="4" name="TextBox 3">
-            <a:extLst>
-              <a:ext uri="{FF2B5EF4-FFF2-40B4-BE49-F238E27FC236}">
-                <a16:creationId xmlns:a16="http://schemas.microsoft.com/office/drawing/2014/main" id="{91D79252-1CB0-C077-7E45-83A61C83ECD4}"/>
-              </a:ext>
-            </a:extLst>
-          </p:cNvPr>
-          <p:cNvSpPr txBox="1"/>
-          <p:nvPr/>
-        </p:nvSpPr>
-        <p:spPr>
-          <a:xfrm>
-            <a:off x="6225309" y="1062182"/>
-            <a:ext cx="877163" cy="369332"/>
-          </a:xfrm>
-          <a:prstGeom prst="rect">
-            <a:avLst/>
-          </a:prstGeom>
-          <a:noFill/>
-        </p:spPr>
-        <p:txBody>
-          <a:bodyPr wrap="none" rtlCol="0">
-            <a:spAutoFit/>
-          </a:bodyPr>
-          <a:lstStyle/>
-          <a:p>
-            <a:r>
-              <a:rPr lang="ko-KR" altLang="en-US" dirty="0"/>
-              <a:t>시작점</a:t>
-            </a:r>
-          </a:p>
-        </p:txBody>
-      </p:sp>
-      <p:sp>
-        <p:nvSpPr>
-          <p:cNvPr id="5" name="TextBox 4">
-            <a:extLst>
-              <a:ext uri="{FF2B5EF4-FFF2-40B4-BE49-F238E27FC236}">
-                <a16:creationId xmlns:a16="http://schemas.microsoft.com/office/drawing/2014/main" id="{816CC3A7-9E60-038C-B5A9-8D30B4B9D536}"/>
-              </a:ext>
-            </a:extLst>
-          </p:cNvPr>
-          <p:cNvSpPr txBox="1"/>
-          <p:nvPr/>
-        </p:nvSpPr>
-        <p:spPr>
-          <a:xfrm>
-            <a:off x="6472682" y="2485999"/>
-            <a:ext cx="2310095" cy="369332"/>
-          </a:xfrm>
-          <a:prstGeom prst="rect">
-            <a:avLst/>
-          </a:prstGeom>
-        </p:spPr>
-        <p:style>
-          <a:lnRef idx="2">
-            <a:schemeClr val="accent4"/>
-          </a:lnRef>
-          <a:fillRef idx="1">
-            <a:schemeClr val="lt1"/>
-          </a:fillRef>
-          <a:effectRef idx="0">
-            <a:schemeClr val="accent4"/>
-          </a:effectRef>
-          <a:fontRef idx="minor">
-            <a:schemeClr val="dk1"/>
-          </a:fontRef>
-        </p:style>
-        <p:txBody>
-          <a:bodyPr wrap="square">
-            <a:spAutoFit/>
-          </a:bodyPr>
-          <a:lstStyle/>
-          <a:p>
-            <a:r>
-              <a:rPr lang="en-US" altLang="ko-KR" sz="1800" dirty="0">
-                <a:solidFill>
-                  <a:srgbClr val="0000FF"/>
-                </a:solidFill>
-                <a:highlight>
-                  <a:srgbClr val="FFFFFF"/>
-                </a:highlight>
-                <a:latin typeface="돋움체" panose="020B0609000101010101" pitchFamily="49" charset="-127"/>
-                <a:ea typeface="돋움체" panose="020B0609000101010101" pitchFamily="49" charset="-127"/>
-              </a:rPr>
-              <a:t>int</a:t>
-            </a:r>
-            <a:r>
-              <a:rPr lang="en-US" altLang="ko-KR" sz="1800" dirty="0">
-                <a:solidFill>
-                  <a:srgbClr val="000000"/>
-                </a:solidFill>
-                <a:highlight>
-                  <a:srgbClr val="FFFFFF"/>
-                </a:highlight>
-                <a:latin typeface="돋움체" panose="020B0609000101010101" pitchFamily="49" charset="-127"/>
-                <a:ea typeface="돋움체" panose="020B0609000101010101" pitchFamily="49" charset="-127"/>
-              </a:rPr>
-              <a:t> </a:t>
-            </a:r>
-            <a:r>
-              <a:rPr lang="en-US" altLang="ko-KR" sz="1800" dirty="0" err="1">
-                <a:solidFill>
-                  <a:srgbClr val="000000"/>
-                </a:solidFill>
-                <a:highlight>
-                  <a:srgbClr val="FFFFFF"/>
-                </a:highlight>
-                <a:latin typeface="돋움체" panose="020B0609000101010101" pitchFamily="49" charset="-127"/>
-                <a:ea typeface="돋움체" panose="020B0609000101010101" pitchFamily="49" charset="-127"/>
-              </a:rPr>
-              <a:t>intValue</a:t>
-            </a:r>
-            <a:endParaRPr lang="ko-KR" altLang="en-US" dirty="0"/>
-          </a:p>
-        </p:txBody>
-      </p:sp>
-      <p:graphicFrame>
-        <p:nvGraphicFramePr>
-          <p:cNvPr id="6" name="표 5">
-            <a:extLst>
-              <a:ext uri="{FF2B5EF4-FFF2-40B4-BE49-F238E27FC236}">
-                <a16:creationId xmlns:a16="http://schemas.microsoft.com/office/drawing/2014/main" id="{DC5BE169-0C4C-8134-DB8C-0B92A7C19980}"/>
-              </a:ext>
-            </a:extLst>
-          </p:cNvPr>
-          <p:cNvGraphicFramePr>
-            <a:graphicFrameLocks noGrp="1"/>
-          </p:cNvGraphicFramePr>
-          <p:nvPr>
-            <p:extLst>
-              <p:ext uri="{D42A27DB-BD31-4B8C-83A1-F6EECF244321}">
-                <p14:modId xmlns:p14="http://schemas.microsoft.com/office/powerpoint/2010/main" val="2028989824"/>
-              </p:ext>
-            </p:extLst>
-          </p:nvPr>
-        </p:nvGraphicFramePr>
-        <p:xfrm>
-          <a:off x="6472681" y="1979199"/>
-          <a:ext cx="4620192" cy="370840"/>
-        </p:xfrm>
-        <a:graphic>
-          <a:graphicData uri="http://schemas.openxmlformats.org/drawingml/2006/table">
-            <a:tbl>
-              <a:tblPr firstRow="1" bandRow="1">
-                <a:tableStyleId>{5C22544A-7EE6-4342-B048-85BDC9FD1C3A}</a:tableStyleId>
-              </a:tblPr>
-              <a:tblGrid>
-                <a:gridCol w="577524">
-                  <a:extLst>
-                    <a:ext uri="{9D8B030D-6E8A-4147-A177-3AD203B41FA5}">
-                      <a16:colId xmlns:a16="http://schemas.microsoft.com/office/drawing/2014/main" val="2740056622"/>
-                    </a:ext>
-                  </a:extLst>
-                </a:gridCol>
-                <a:gridCol w="577524">
-                  <a:extLst>
-                    <a:ext uri="{9D8B030D-6E8A-4147-A177-3AD203B41FA5}">
-                      <a16:colId xmlns:a16="http://schemas.microsoft.com/office/drawing/2014/main" val="920595322"/>
-                    </a:ext>
-                  </a:extLst>
-                </a:gridCol>
-                <a:gridCol w="577524">
-                  <a:extLst>
-                    <a:ext uri="{9D8B030D-6E8A-4147-A177-3AD203B41FA5}">
-                      <a16:colId xmlns:a16="http://schemas.microsoft.com/office/drawing/2014/main" val="3912814933"/>
-                    </a:ext>
-                  </a:extLst>
-                </a:gridCol>
-                <a:gridCol w="577524">
-                  <a:extLst>
-                    <a:ext uri="{9D8B030D-6E8A-4147-A177-3AD203B41FA5}">
-                      <a16:colId xmlns:a16="http://schemas.microsoft.com/office/drawing/2014/main" val="1052173851"/>
-                    </a:ext>
-                  </a:extLst>
-                </a:gridCol>
-                <a:gridCol w="577524">
-                  <a:extLst>
-                    <a:ext uri="{9D8B030D-6E8A-4147-A177-3AD203B41FA5}">
-                      <a16:colId xmlns:a16="http://schemas.microsoft.com/office/drawing/2014/main" val="2306547338"/>
-                    </a:ext>
-                  </a:extLst>
-                </a:gridCol>
-                <a:gridCol w="577524">
-                  <a:extLst>
-                    <a:ext uri="{9D8B030D-6E8A-4147-A177-3AD203B41FA5}">
-                      <a16:colId xmlns:a16="http://schemas.microsoft.com/office/drawing/2014/main" val="304668049"/>
-                    </a:ext>
-                  </a:extLst>
-                </a:gridCol>
-                <a:gridCol w="577524">
-                  <a:extLst>
-                    <a:ext uri="{9D8B030D-6E8A-4147-A177-3AD203B41FA5}">
-                      <a16:colId xmlns:a16="http://schemas.microsoft.com/office/drawing/2014/main" val="2248904074"/>
-                    </a:ext>
-                  </a:extLst>
-                </a:gridCol>
-                <a:gridCol w="577524">
-                  <a:extLst>
-                    <a:ext uri="{9D8B030D-6E8A-4147-A177-3AD203B41FA5}">
-                      <a16:colId xmlns:a16="http://schemas.microsoft.com/office/drawing/2014/main" val="1927701871"/>
-                    </a:ext>
-                  </a:extLst>
-                </a:gridCol>
-              </a:tblGrid>
-              <a:tr h="370840">
-                <a:tc>
-                  <a:txBody>
-                    <a:bodyPr/>
-                    <a:lstStyle/>
-                    <a:p>
-                      <a:pPr latinLnBrk="1"/>
-                      <a:endParaRPr lang="ko-KR" altLang="en-US" dirty="0"/>
-                    </a:p>
-                  </a:txBody>
-                  <a:tcPr/>
-                </a:tc>
-                <a:tc>
-                  <a:txBody>
-                    <a:bodyPr/>
-                    <a:lstStyle/>
-                    <a:p>
-                      <a:pPr latinLnBrk="1"/>
-                      <a:endParaRPr lang="ko-KR" altLang="en-US"/>
-                    </a:p>
-                  </a:txBody>
-                  <a:tcPr/>
-                </a:tc>
-                <a:tc>
-                  <a:txBody>
-                    <a:bodyPr/>
-                    <a:lstStyle/>
-                    <a:p>
-                      <a:pPr latinLnBrk="1"/>
-                      <a:endParaRPr lang="ko-KR" altLang="en-US"/>
-                    </a:p>
-                  </a:txBody>
-                  <a:tcPr/>
-                </a:tc>
-                <a:tc>
-                  <a:txBody>
-                    <a:bodyPr/>
-                    <a:lstStyle/>
-                    <a:p>
-                      <a:pPr latinLnBrk="1"/>
-                      <a:endParaRPr lang="ko-KR" altLang="en-US"/>
-                    </a:p>
-                  </a:txBody>
-                  <a:tcPr/>
-                </a:tc>
-                <a:tc>
-                  <a:txBody>
-                    <a:bodyPr/>
-                    <a:lstStyle/>
-                    <a:p>
-                      <a:pPr latinLnBrk="1"/>
-                      <a:endParaRPr lang="ko-KR" altLang="en-US"/>
-                    </a:p>
-                  </a:txBody>
-                  <a:tcPr/>
-                </a:tc>
-                <a:tc>
-                  <a:txBody>
-                    <a:bodyPr/>
-                    <a:lstStyle/>
-                    <a:p>
-                      <a:pPr latinLnBrk="1"/>
-                      <a:endParaRPr lang="ko-KR" altLang="en-US"/>
-                    </a:p>
-                  </a:txBody>
-                  <a:tcPr/>
-                </a:tc>
-                <a:tc>
-                  <a:txBody>
-                    <a:bodyPr/>
-                    <a:lstStyle/>
-                    <a:p>
-                      <a:pPr latinLnBrk="1"/>
-                      <a:endParaRPr lang="ko-KR" altLang="en-US" dirty="0"/>
-                    </a:p>
-                  </a:txBody>
-                  <a:tcPr/>
-                </a:tc>
-                <a:tc>
-                  <a:txBody>
-                    <a:bodyPr/>
-                    <a:lstStyle/>
-                    <a:p>
-                      <a:pPr latinLnBrk="1"/>
-                      <a:endParaRPr lang="ko-KR" altLang="en-US" dirty="0"/>
-                    </a:p>
-                  </a:txBody>
-                  <a:tcPr/>
-                </a:tc>
-                <a:extLst>
-                  <a:ext uri="{0D108BD9-81ED-4DB2-BD59-A6C34878D82A}">
-                    <a16:rowId xmlns:a16="http://schemas.microsoft.com/office/drawing/2014/main" val="3643140078"/>
-                  </a:ext>
-                </a:extLst>
-              </a:tr>
-            </a:tbl>
-          </a:graphicData>
-        </a:graphic>
-      </p:graphicFrame>
-      <p:pic>
-        <p:nvPicPr>
-          <p:cNvPr id="9" name="그림 8">
-            <a:extLst>
-              <a:ext uri="{FF2B5EF4-FFF2-40B4-BE49-F238E27FC236}">
-                <a16:creationId xmlns:a16="http://schemas.microsoft.com/office/drawing/2014/main" id="{BE0032C8-5829-C36E-CF6D-2CA428BDA692}"/>
-              </a:ext>
-            </a:extLst>
-          </p:cNvPr>
-          <p:cNvPicPr>
-            <a:picLocks noChangeAspect="1"/>
-          </p:cNvPicPr>
-          <p:nvPr/>
-        </p:nvPicPr>
-        <p:blipFill>
-          <a:blip r:embed="rId3"/>
-          <a:stretch>
-            <a:fillRect/>
-          </a:stretch>
-        </p:blipFill>
-        <p:spPr>
-          <a:xfrm>
-            <a:off x="861282" y="5533844"/>
-            <a:ext cx="10469436" cy="523948"/>
-          </a:xfrm>
-          <a:prstGeom prst="rect">
-            <a:avLst/>
-          </a:prstGeom>
-        </p:spPr>
-      </p:pic>
-      <p:sp>
-        <p:nvSpPr>
-          <p:cNvPr id="10" name="TextBox 9">
-            <a:extLst>
-              <a:ext uri="{FF2B5EF4-FFF2-40B4-BE49-F238E27FC236}">
-                <a16:creationId xmlns:a16="http://schemas.microsoft.com/office/drawing/2014/main" id="{36535700-6C75-E837-1240-F0E9E5B0468B}"/>
-              </a:ext>
-            </a:extLst>
-          </p:cNvPr>
-          <p:cNvSpPr txBox="1"/>
-          <p:nvPr/>
-        </p:nvSpPr>
-        <p:spPr>
-          <a:xfrm>
-            <a:off x="8782777" y="2489142"/>
-            <a:ext cx="654327" cy="369332"/>
-          </a:xfrm>
-          <a:prstGeom prst="rect">
-            <a:avLst/>
-          </a:prstGeom>
-        </p:spPr>
-        <p:style>
-          <a:lnRef idx="2">
-            <a:schemeClr val="accent4"/>
-          </a:lnRef>
-          <a:fillRef idx="1">
-            <a:schemeClr val="lt1"/>
-          </a:fillRef>
-          <a:effectRef idx="0">
-            <a:schemeClr val="accent4"/>
-          </a:effectRef>
-          <a:fontRef idx="minor">
-            <a:schemeClr val="dk1"/>
-          </a:fontRef>
-        </p:style>
-        <p:txBody>
-          <a:bodyPr wrap="square">
-            <a:spAutoFit/>
-          </a:bodyPr>
-          <a:lstStyle/>
-          <a:p>
-            <a:r>
-              <a:rPr lang="en-US" altLang="ko-KR" dirty="0">
-                <a:solidFill>
-                  <a:srgbClr val="0000FF"/>
-                </a:solidFill>
-                <a:highlight>
-                  <a:srgbClr val="FFFFFF"/>
-                </a:highlight>
-                <a:latin typeface="돋움체" panose="020B0609000101010101" pitchFamily="49" charset="-127"/>
-                <a:ea typeface="돋움체" panose="020B0609000101010101" pitchFamily="49" charset="-127"/>
-              </a:rPr>
-              <a:t>bool</a:t>
-            </a:r>
-            <a:endParaRPr lang="ko-KR" altLang="en-US" dirty="0"/>
-          </a:p>
-        </p:txBody>
-      </p:sp>
-      <p:sp>
-        <p:nvSpPr>
-          <p:cNvPr id="11" name="TextBox 10">
-            <a:extLst>
-              <a:ext uri="{FF2B5EF4-FFF2-40B4-BE49-F238E27FC236}">
-                <a16:creationId xmlns:a16="http://schemas.microsoft.com/office/drawing/2014/main" id="{D328AA1C-9186-D6C2-802F-152CAEEAE55C}"/>
-              </a:ext>
-            </a:extLst>
-          </p:cNvPr>
-          <p:cNvSpPr txBox="1"/>
-          <p:nvPr/>
-        </p:nvSpPr>
-        <p:spPr>
-          <a:xfrm>
-            <a:off x="6388785" y="3402505"/>
-            <a:ext cx="749757" cy="1200329"/>
-          </a:xfrm>
-          <a:prstGeom prst="rect">
-            <a:avLst/>
-          </a:prstGeom>
-          <a:noFill/>
-        </p:spPr>
-        <p:txBody>
-          <a:bodyPr wrap="none" rtlCol="0">
-            <a:spAutoFit/>
-          </a:bodyPr>
-          <a:lstStyle/>
-          <a:p>
-            <a:r>
-              <a:rPr lang="en-US" altLang="ko-KR" dirty="0"/>
-              <a:t>Int</a:t>
-            </a:r>
-          </a:p>
-          <a:p>
-            <a:r>
-              <a:rPr lang="en-US" altLang="ko-KR" dirty="0"/>
-              <a:t>Bool</a:t>
-            </a:r>
-          </a:p>
-          <a:p>
-            <a:r>
-              <a:rPr lang="en-US" altLang="ko-KR" dirty="0"/>
-              <a:t>Short</a:t>
-            </a:r>
-          </a:p>
-          <a:p>
-            <a:r>
-              <a:rPr lang="en-US" altLang="ko-KR" dirty="0"/>
-              <a:t>bool</a:t>
-            </a:r>
-            <a:endParaRPr lang="ko-KR" altLang="en-US" dirty="0"/>
-          </a:p>
-        </p:txBody>
-      </p:sp>
-    </p:spTree>
-    <p:extLst>
-      <p:ext uri="{BB962C8B-B14F-4D97-AF65-F5344CB8AC3E}">
-        <p14:creationId xmlns:p14="http://schemas.microsoft.com/office/powerpoint/2010/main" val="2327352"/>
-      </p:ext>
-    </p:extLst>
-  </p:cSld>
-  <p:clrMapOvr>
-    <a:masterClrMapping/>
-  </p:clrMapOvr>
-</p:sld>
-</file>
-
-<file path=ppt/slides/slide9.xml><?xml version="1.0" encoding="utf-8"?>
-<p:sld xmlns:a="http://schemas.openxmlformats.org/drawingml/2006/main" xmlns:r="http://schemas.openxmlformats.org/officeDocument/2006/relationships" xmlns:p="http://schemas.openxmlformats.org/presentationml/2006/main">
-  <p:cSld>
-    <p:spTree>
-      <p:nvGrpSpPr>
-        <p:cNvPr id="1" name=""/>
-        <p:cNvGrpSpPr/>
-        <p:nvPr/>
-      </p:nvGrpSpPr>
-      <p:grpSpPr>
-        <a:xfrm>
-          <a:off x="0" y="0"/>
-          <a:ext cx="0" cy="0"/>
-          <a:chOff x="0" y="0"/>
-          <a:chExt cx="0" cy="0"/>
-        </a:xfrm>
-      </p:grpSpPr>
-      <p:pic>
-        <p:nvPicPr>
-          <p:cNvPr id="3" name="그림 2">
-            <a:extLst>
-              <a:ext uri="{FF2B5EF4-FFF2-40B4-BE49-F238E27FC236}">
-                <a16:creationId xmlns:a16="http://schemas.microsoft.com/office/drawing/2014/main" id="{51422CB9-6E94-7261-EF48-0A38A2B18470}"/>
-              </a:ext>
-            </a:extLst>
-          </p:cNvPr>
-          <p:cNvPicPr>
-            <a:picLocks noChangeAspect="1"/>
-          </p:cNvPicPr>
-          <p:nvPr/>
-        </p:nvPicPr>
-        <p:blipFill>
-          <a:blip r:embed="rId2"/>
-          <a:stretch>
-            <a:fillRect/>
-          </a:stretch>
-        </p:blipFill>
-        <p:spPr>
-          <a:xfrm>
-            <a:off x="593308" y="428206"/>
-            <a:ext cx="8049748" cy="6001588"/>
-          </a:xfrm>
-          <a:prstGeom prst="rect">
-            <a:avLst/>
-          </a:prstGeom>
-        </p:spPr>
-      </p:pic>
-    </p:spTree>
-    <p:extLst>
-      <p:ext uri="{BB962C8B-B14F-4D97-AF65-F5344CB8AC3E}">
-        <p14:creationId xmlns:p14="http://schemas.microsoft.com/office/powerpoint/2010/main" val="3404656738"/>
       </p:ext>
     </p:extLst>
   </p:cSld>
